--- a/Documents/QuadChartSEAPv2.pptx
+++ b/Documents/QuadChartSEAPv2.pptx
@@ -36,7 +36,7 @@
             <a:spLocks noGrp="1"/>
           </p:cNvSpPr>
           <p:nvPr>
-            <p:ph type="ftr" idx="2"/>
+            <p:ph type="ftr" idx="1"/>
           </p:nvPr>
         </p:nvSpPr>
         <p:spPr/>
@@ -56,14 +56,14 @@
             <a:spLocks noGrp="1"/>
           </p:cNvSpPr>
           <p:nvPr>
-            <p:ph type="sldNum" idx="3"/>
+            <p:ph type="sldNum" idx="2"/>
           </p:nvPr>
         </p:nvSpPr>
         <p:spPr/>
         <p:txBody>
           <a:bodyPr/>
           <a:p>
-            <a:fld id="{83336417-0E9E-4B16-B64A-356455A737E4}" type="slidenum">
+            <a:fld id="{73C9D8E9-9753-4DAC-B2DF-5A71FF3DA1CD}" type="slidenum">
               <a:t>&lt;#&gt;</a:t>
             </a:fld>
           </a:p>
@@ -76,7 +76,7 @@
             <a:spLocks noGrp="1"/>
           </p:cNvSpPr>
           <p:nvPr>
-            <p:ph type="dt" idx="1"/>
+            <p:ph type="dt" idx="3"/>
           </p:nvPr>
         </p:nvSpPr>
         <p:spPr/>
@@ -114,7 +114,7 @@
       </p:grpSpPr>
       <p:sp>
         <p:nvSpPr>
-          <p:cNvPr id="32" name="PlaceHolder 1"/>
+          <p:cNvPr id="30" name="PlaceHolder 1"/>
           <p:cNvSpPr>
             <a:spLocks noGrp="1"/>
           </p:cNvSpPr>
@@ -140,18 +140,18 @@
             <a:noAutofit/>
           </a:bodyPr>
           <a:p>
-            <a:endParaRPr b="0" lang="en-US" sz="1800" spc="-1" strike="noStrike">
-              <a:solidFill>
-                <a:srgbClr val="000000"/>
-              </a:solidFill>
-              <a:latin typeface="Century Gothic"/>
-            </a:endParaRPr>
-          </a:p>
-        </p:txBody>
-      </p:sp>
-      <p:sp>
-        <p:nvSpPr>
-          <p:cNvPr id="33" name="PlaceHolder 2"/>
+            <a:pPr algn="ctr">
+              <a:buNone/>
+            </a:pPr>
+            <a:endParaRPr b="0" lang="en-US" sz="4400" spc="-1" strike="noStrike">
+              <a:latin typeface="Arial"/>
+            </a:endParaRPr>
+          </a:p>
+        </p:txBody>
+      </p:sp>
+      <p:sp>
+        <p:nvSpPr>
+          <p:cNvPr id="31" name="PlaceHolder 2"/>
           <p:cNvSpPr>
             <a:spLocks noGrp="1"/>
           </p:cNvSpPr>
@@ -177,27 +177,15 @@
             <a:normAutofit/>
           </a:bodyPr>
           <a:p>
-            <a:pPr>
-              <a:lnSpc>
-                <a:spcPct val="90000"/>
-              </a:lnSpc>
-              <a:spcBef>
-                <a:spcPts val="1417"/>
-              </a:spcBef>
-              <a:buNone/>
-            </a:pPr>
-            <a:endParaRPr b="0" lang="en-US" sz="1100" spc="-1" strike="noStrike">
-              <a:solidFill>
-                <a:srgbClr val="003b4f"/>
-              </a:solidFill>
-              <a:latin typeface="Century Gothic"/>
-            </a:endParaRPr>
-          </a:p>
-        </p:txBody>
-      </p:sp>
-      <p:sp>
-        <p:nvSpPr>
-          <p:cNvPr id="34" name="PlaceHolder 3"/>
+            <a:endParaRPr b="0" lang="en-US" sz="3200" spc="-1" strike="noStrike">
+              <a:latin typeface="Arial"/>
+            </a:endParaRPr>
+          </a:p>
+        </p:txBody>
+      </p:sp>
+      <p:sp>
+        <p:nvSpPr>
+          <p:cNvPr id="32" name="PlaceHolder 3"/>
           <p:cNvSpPr>
             <a:spLocks noGrp="1"/>
           </p:cNvSpPr>
@@ -223,20 +211,8 @@
             <a:normAutofit/>
           </a:bodyPr>
           <a:p>
-            <a:pPr>
-              <a:lnSpc>
-                <a:spcPct val="90000"/>
-              </a:lnSpc>
-              <a:spcBef>
-                <a:spcPts val="1417"/>
-              </a:spcBef>
-              <a:buNone/>
-            </a:pPr>
-            <a:endParaRPr b="0" lang="en-US" sz="1100" spc="-1" strike="noStrike">
-              <a:solidFill>
-                <a:srgbClr val="003b4f"/>
-              </a:solidFill>
-              <a:latin typeface="Century Gothic"/>
+            <a:endParaRPr b="0" lang="en-US" sz="3200" spc="-1" strike="noStrike">
+              <a:latin typeface="Arial"/>
             </a:endParaRPr>
           </a:p>
         </p:txBody>
@@ -248,7 +224,7 @@
             <a:spLocks noGrp="1"/>
           </p:cNvSpPr>
           <p:nvPr>
-            <p:ph type="ftr" idx="2"/>
+            <p:ph type="ftr" idx="1"/>
           </p:nvPr>
         </p:nvSpPr>
         <p:spPr/>
@@ -268,14 +244,14 @@
             <a:spLocks noGrp="1"/>
           </p:cNvSpPr>
           <p:nvPr>
-            <p:ph type="sldNum" idx="3"/>
+            <p:ph type="sldNum" idx="2"/>
           </p:nvPr>
         </p:nvSpPr>
         <p:spPr/>
         <p:txBody>
           <a:bodyPr/>
           <a:p>
-            <a:fld id="{777587A4-E347-4A81-9252-3DFD163B288B}" type="slidenum">
+            <a:fld id="{92277A60-BE2E-410C-A36C-5B82E15FBC51}" type="slidenum">
               <a:t>&lt;#&gt;</a:t>
             </a:fld>
           </a:p>
@@ -288,7 +264,7 @@
             <a:spLocks noGrp="1"/>
           </p:cNvSpPr>
           <p:nvPr>
-            <p:ph type="dt" idx="1"/>
+            <p:ph type="dt" idx="3"/>
           </p:nvPr>
         </p:nvSpPr>
         <p:spPr/>
@@ -326,7 +302,7 @@
       </p:grpSpPr>
       <p:sp>
         <p:nvSpPr>
-          <p:cNvPr id="35" name="PlaceHolder 1"/>
+          <p:cNvPr id="33" name="PlaceHolder 1"/>
           <p:cNvSpPr>
             <a:spLocks noGrp="1"/>
           </p:cNvSpPr>
@@ -352,18 +328,18 @@
             <a:noAutofit/>
           </a:bodyPr>
           <a:p>
-            <a:endParaRPr b="0" lang="en-US" sz="1800" spc="-1" strike="noStrike">
-              <a:solidFill>
-                <a:srgbClr val="000000"/>
-              </a:solidFill>
-              <a:latin typeface="Century Gothic"/>
-            </a:endParaRPr>
-          </a:p>
-        </p:txBody>
-      </p:sp>
-      <p:sp>
-        <p:nvSpPr>
-          <p:cNvPr id="36" name="PlaceHolder 2"/>
+            <a:pPr algn="ctr">
+              <a:buNone/>
+            </a:pPr>
+            <a:endParaRPr b="0" lang="en-US" sz="4400" spc="-1" strike="noStrike">
+              <a:latin typeface="Arial"/>
+            </a:endParaRPr>
+          </a:p>
+        </p:txBody>
+      </p:sp>
+      <p:sp>
+        <p:nvSpPr>
+          <p:cNvPr id="34" name="PlaceHolder 2"/>
           <p:cNvSpPr>
             <a:spLocks noGrp="1"/>
           </p:cNvSpPr>
@@ -389,27 +365,15 @@
             <a:normAutofit/>
           </a:bodyPr>
           <a:p>
-            <a:pPr>
-              <a:lnSpc>
-                <a:spcPct val="90000"/>
-              </a:lnSpc>
-              <a:spcBef>
-                <a:spcPts val="1417"/>
-              </a:spcBef>
-              <a:buNone/>
-            </a:pPr>
-            <a:endParaRPr b="0" lang="en-US" sz="1100" spc="-1" strike="noStrike">
-              <a:solidFill>
-                <a:srgbClr val="003b4f"/>
-              </a:solidFill>
-              <a:latin typeface="Century Gothic"/>
-            </a:endParaRPr>
-          </a:p>
-        </p:txBody>
-      </p:sp>
-      <p:sp>
-        <p:nvSpPr>
-          <p:cNvPr id="37" name="PlaceHolder 3"/>
+            <a:endParaRPr b="0" lang="en-US" sz="3200" spc="-1" strike="noStrike">
+              <a:latin typeface="Arial"/>
+            </a:endParaRPr>
+          </a:p>
+        </p:txBody>
+      </p:sp>
+      <p:sp>
+        <p:nvSpPr>
+          <p:cNvPr id="35" name="PlaceHolder 3"/>
           <p:cNvSpPr>
             <a:spLocks noGrp="1"/>
           </p:cNvSpPr>
@@ -435,27 +399,15 @@
             <a:normAutofit/>
           </a:bodyPr>
           <a:p>
-            <a:pPr>
-              <a:lnSpc>
-                <a:spcPct val="90000"/>
-              </a:lnSpc>
-              <a:spcBef>
-                <a:spcPts val="1417"/>
-              </a:spcBef>
-              <a:buNone/>
-            </a:pPr>
-            <a:endParaRPr b="0" lang="en-US" sz="1100" spc="-1" strike="noStrike">
-              <a:solidFill>
-                <a:srgbClr val="003b4f"/>
-              </a:solidFill>
-              <a:latin typeface="Century Gothic"/>
-            </a:endParaRPr>
-          </a:p>
-        </p:txBody>
-      </p:sp>
-      <p:sp>
-        <p:nvSpPr>
-          <p:cNvPr id="38" name="PlaceHolder 4"/>
+            <a:endParaRPr b="0" lang="en-US" sz="3200" spc="-1" strike="noStrike">
+              <a:latin typeface="Arial"/>
+            </a:endParaRPr>
+          </a:p>
+        </p:txBody>
+      </p:sp>
+      <p:sp>
+        <p:nvSpPr>
+          <p:cNvPr id="36" name="PlaceHolder 4"/>
           <p:cNvSpPr>
             <a:spLocks noGrp="1"/>
           </p:cNvSpPr>
@@ -481,27 +433,15 @@
             <a:normAutofit/>
           </a:bodyPr>
           <a:p>
-            <a:pPr>
-              <a:lnSpc>
-                <a:spcPct val="90000"/>
-              </a:lnSpc>
-              <a:spcBef>
-                <a:spcPts val="1417"/>
-              </a:spcBef>
-              <a:buNone/>
-            </a:pPr>
-            <a:endParaRPr b="0" lang="en-US" sz="1100" spc="-1" strike="noStrike">
-              <a:solidFill>
-                <a:srgbClr val="003b4f"/>
-              </a:solidFill>
-              <a:latin typeface="Century Gothic"/>
-            </a:endParaRPr>
-          </a:p>
-        </p:txBody>
-      </p:sp>
-      <p:sp>
-        <p:nvSpPr>
-          <p:cNvPr id="39" name="PlaceHolder 5"/>
+            <a:endParaRPr b="0" lang="en-US" sz="3200" spc="-1" strike="noStrike">
+              <a:latin typeface="Arial"/>
+            </a:endParaRPr>
+          </a:p>
+        </p:txBody>
+      </p:sp>
+      <p:sp>
+        <p:nvSpPr>
+          <p:cNvPr id="37" name="PlaceHolder 5"/>
           <p:cNvSpPr>
             <a:spLocks noGrp="1"/>
           </p:cNvSpPr>
@@ -527,20 +467,8 @@
             <a:normAutofit/>
           </a:bodyPr>
           <a:p>
-            <a:pPr>
-              <a:lnSpc>
-                <a:spcPct val="90000"/>
-              </a:lnSpc>
-              <a:spcBef>
-                <a:spcPts val="1417"/>
-              </a:spcBef>
-              <a:buNone/>
-            </a:pPr>
-            <a:endParaRPr b="0" lang="en-US" sz="1100" spc="-1" strike="noStrike">
-              <a:solidFill>
-                <a:srgbClr val="003b4f"/>
-              </a:solidFill>
-              <a:latin typeface="Century Gothic"/>
+            <a:endParaRPr b="0" lang="en-US" sz="3200" spc="-1" strike="noStrike">
+              <a:latin typeface="Arial"/>
             </a:endParaRPr>
           </a:p>
         </p:txBody>
@@ -552,7 +480,7 @@
             <a:spLocks noGrp="1"/>
           </p:cNvSpPr>
           <p:nvPr>
-            <p:ph type="ftr" idx="2"/>
+            <p:ph type="ftr" idx="1"/>
           </p:nvPr>
         </p:nvSpPr>
         <p:spPr/>
@@ -572,14 +500,14 @@
             <a:spLocks noGrp="1"/>
           </p:cNvSpPr>
           <p:nvPr>
-            <p:ph type="sldNum" idx="3"/>
+            <p:ph type="sldNum" idx="2"/>
           </p:nvPr>
         </p:nvSpPr>
         <p:spPr/>
         <p:txBody>
           <a:bodyPr/>
           <a:p>
-            <a:fld id="{F703A5DF-9F38-4A89-ADB6-3D78564787A8}" type="slidenum">
+            <a:fld id="{4EC031AF-0717-427A-88AB-E9D55768914D}" type="slidenum">
               <a:t>&lt;#&gt;</a:t>
             </a:fld>
           </a:p>
@@ -592,7 +520,7 @@
             <a:spLocks noGrp="1"/>
           </p:cNvSpPr>
           <p:nvPr>
-            <p:ph type="dt" idx="1"/>
+            <p:ph type="dt" idx="3"/>
           </p:nvPr>
         </p:nvSpPr>
         <p:spPr/>
@@ -630,7 +558,7 @@
       </p:grpSpPr>
       <p:sp>
         <p:nvSpPr>
-          <p:cNvPr id="40" name="PlaceHolder 1"/>
+          <p:cNvPr id="38" name="PlaceHolder 1"/>
           <p:cNvSpPr>
             <a:spLocks noGrp="1"/>
           </p:cNvSpPr>
@@ -656,18 +584,18 @@
             <a:noAutofit/>
           </a:bodyPr>
           <a:p>
-            <a:endParaRPr b="0" lang="en-US" sz="1800" spc="-1" strike="noStrike">
-              <a:solidFill>
-                <a:srgbClr val="000000"/>
-              </a:solidFill>
-              <a:latin typeface="Century Gothic"/>
-            </a:endParaRPr>
-          </a:p>
-        </p:txBody>
-      </p:sp>
-      <p:sp>
-        <p:nvSpPr>
-          <p:cNvPr id="41" name="PlaceHolder 2"/>
+            <a:pPr algn="ctr">
+              <a:buNone/>
+            </a:pPr>
+            <a:endParaRPr b="0" lang="en-US" sz="4400" spc="-1" strike="noStrike">
+              <a:latin typeface="Arial"/>
+            </a:endParaRPr>
+          </a:p>
+        </p:txBody>
+      </p:sp>
+      <p:sp>
+        <p:nvSpPr>
+          <p:cNvPr id="39" name="PlaceHolder 2"/>
           <p:cNvSpPr>
             <a:spLocks noGrp="1"/>
           </p:cNvSpPr>
@@ -693,27 +621,15 @@
             <a:normAutofit/>
           </a:bodyPr>
           <a:p>
-            <a:pPr>
-              <a:lnSpc>
-                <a:spcPct val="90000"/>
-              </a:lnSpc>
-              <a:spcBef>
-                <a:spcPts val="1417"/>
-              </a:spcBef>
-              <a:buNone/>
-            </a:pPr>
-            <a:endParaRPr b="0" lang="en-US" sz="1100" spc="-1" strike="noStrike">
-              <a:solidFill>
-                <a:srgbClr val="003b4f"/>
-              </a:solidFill>
-              <a:latin typeface="Century Gothic"/>
-            </a:endParaRPr>
-          </a:p>
-        </p:txBody>
-      </p:sp>
-      <p:sp>
-        <p:nvSpPr>
-          <p:cNvPr id="42" name="PlaceHolder 3"/>
+            <a:endParaRPr b="0" lang="en-US" sz="3200" spc="-1" strike="noStrike">
+              <a:latin typeface="Arial"/>
+            </a:endParaRPr>
+          </a:p>
+        </p:txBody>
+      </p:sp>
+      <p:sp>
+        <p:nvSpPr>
+          <p:cNvPr id="40" name="PlaceHolder 3"/>
           <p:cNvSpPr>
             <a:spLocks noGrp="1"/>
           </p:cNvSpPr>
@@ -739,27 +655,15 @@
             <a:normAutofit/>
           </a:bodyPr>
           <a:p>
-            <a:pPr>
-              <a:lnSpc>
-                <a:spcPct val="90000"/>
-              </a:lnSpc>
-              <a:spcBef>
-                <a:spcPts val="1417"/>
-              </a:spcBef>
-              <a:buNone/>
-            </a:pPr>
-            <a:endParaRPr b="0" lang="en-US" sz="1100" spc="-1" strike="noStrike">
-              <a:solidFill>
-                <a:srgbClr val="003b4f"/>
-              </a:solidFill>
-              <a:latin typeface="Century Gothic"/>
-            </a:endParaRPr>
-          </a:p>
-        </p:txBody>
-      </p:sp>
-      <p:sp>
-        <p:nvSpPr>
-          <p:cNvPr id="43" name="PlaceHolder 4"/>
+            <a:endParaRPr b="0" lang="en-US" sz="3200" spc="-1" strike="noStrike">
+              <a:latin typeface="Arial"/>
+            </a:endParaRPr>
+          </a:p>
+        </p:txBody>
+      </p:sp>
+      <p:sp>
+        <p:nvSpPr>
+          <p:cNvPr id="41" name="PlaceHolder 4"/>
           <p:cNvSpPr>
             <a:spLocks noGrp="1"/>
           </p:cNvSpPr>
@@ -785,27 +689,15 @@
             <a:normAutofit/>
           </a:bodyPr>
           <a:p>
-            <a:pPr>
-              <a:lnSpc>
-                <a:spcPct val="90000"/>
-              </a:lnSpc>
-              <a:spcBef>
-                <a:spcPts val="1417"/>
-              </a:spcBef>
-              <a:buNone/>
-            </a:pPr>
-            <a:endParaRPr b="0" lang="en-US" sz="1100" spc="-1" strike="noStrike">
-              <a:solidFill>
-                <a:srgbClr val="003b4f"/>
-              </a:solidFill>
-              <a:latin typeface="Century Gothic"/>
-            </a:endParaRPr>
-          </a:p>
-        </p:txBody>
-      </p:sp>
-      <p:sp>
-        <p:nvSpPr>
-          <p:cNvPr id="44" name="PlaceHolder 5"/>
+            <a:endParaRPr b="0" lang="en-US" sz="3200" spc="-1" strike="noStrike">
+              <a:latin typeface="Arial"/>
+            </a:endParaRPr>
+          </a:p>
+        </p:txBody>
+      </p:sp>
+      <p:sp>
+        <p:nvSpPr>
+          <p:cNvPr id="42" name="PlaceHolder 5"/>
           <p:cNvSpPr>
             <a:spLocks noGrp="1"/>
           </p:cNvSpPr>
@@ -831,27 +723,15 @@
             <a:normAutofit/>
           </a:bodyPr>
           <a:p>
-            <a:pPr>
-              <a:lnSpc>
-                <a:spcPct val="90000"/>
-              </a:lnSpc>
-              <a:spcBef>
-                <a:spcPts val="1417"/>
-              </a:spcBef>
-              <a:buNone/>
-            </a:pPr>
-            <a:endParaRPr b="0" lang="en-US" sz="1100" spc="-1" strike="noStrike">
-              <a:solidFill>
-                <a:srgbClr val="003b4f"/>
-              </a:solidFill>
-              <a:latin typeface="Century Gothic"/>
-            </a:endParaRPr>
-          </a:p>
-        </p:txBody>
-      </p:sp>
-      <p:sp>
-        <p:nvSpPr>
-          <p:cNvPr id="45" name="PlaceHolder 6"/>
+            <a:endParaRPr b="0" lang="en-US" sz="3200" spc="-1" strike="noStrike">
+              <a:latin typeface="Arial"/>
+            </a:endParaRPr>
+          </a:p>
+        </p:txBody>
+      </p:sp>
+      <p:sp>
+        <p:nvSpPr>
+          <p:cNvPr id="43" name="PlaceHolder 6"/>
           <p:cNvSpPr>
             <a:spLocks noGrp="1"/>
           </p:cNvSpPr>
@@ -877,27 +757,15 @@
             <a:normAutofit/>
           </a:bodyPr>
           <a:p>
-            <a:pPr>
-              <a:lnSpc>
-                <a:spcPct val="90000"/>
-              </a:lnSpc>
-              <a:spcBef>
-                <a:spcPts val="1417"/>
-              </a:spcBef>
-              <a:buNone/>
-            </a:pPr>
-            <a:endParaRPr b="0" lang="en-US" sz="1100" spc="-1" strike="noStrike">
-              <a:solidFill>
-                <a:srgbClr val="003b4f"/>
-              </a:solidFill>
-              <a:latin typeface="Century Gothic"/>
-            </a:endParaRPr>
-          </a:p>
-        </p:txBody>
-      </p:sp>
-      <p:sp>
-        <p:nvSpPr>
-          <p:cNvPr id="46" name="PlaceHolder 7"/>
+            <a:endParaRPr b="0" lang="en-US" sz="3200" spc="-1" strike="noStrike">
+              <a:latin typeface="Arial"/>
+            </a:endParaRPr>
+          </a:p>
+        </p:txBody>
+      </p:sp>
+      <p:sp>
+        <p:nvSpPr>
+          <p:cNvPr id="44" name="PlaceHolder 7"/>
           <p:cNvSpPr>
             <a:spLocks noGrp="1"/>
           </p:cNvSpPr>
@@ -923,20 +791,8 @@
             <a:normAutofit/>
           </a:bodyPr>
           <a:p>
-            <a:pPr>
-              <a:lnSpc>
-                <a:spcPct val="90000"/>
-              </a:lnSpc>
-              <a:spcBef>
-                <a:spcPts val="1417"/>
-              </a:spcBef>
-              <a:buNone/>
-            </a:pPr>
-            <a:endParaRPr b="0" lang="en-US" sz="1100" spc="-1" strike="noStrike">
-              <a:solidFill>
-                <a:srgbClr val="003b4f"/>
-              </a:solidFill>
-              <a:latin typeface="Century Gothic"/>
+            <a:endParaRPr b="0" lang="en-US" sz="3200" spc="-1" strike="noStrike">
+              <a:latin typeface="Arial"/>
             </a:endParaRPr>
           </a:p>
         </p:txBody>
@@ -948,7 +804,7 @@
             <a:spLocks noGrp="1"/>
           </p:cNvSpPr>
           <p:nvPr>
-            <p:ph type="ftr" idx="2"/>
+            <p:ph type="ftr" idx="1"/>
           </p:nvPr>
         </p:nvSpPr>
         <p:spPr/>
@@ -968,14 +824,14 @@
             <a:spLocks noGrp="1"/>
           </p:cNvSpPr>
           <p:nvPr>
-            <p:ph type="sldNum" idx="3"/>
+            <p:ph type="sldNum" idx="2"/>
           </p:nvPr>
         </p:nvSpPr>
         <p:spPr/>
         <p:txBody>
           <a:bodyPr/>
           <a:p>
-            <a:fld id="{F69A4ABC-754D-4B29-9696-03A6F81BC89E}" type="slidenum">
+            <a:fld id="{05EE0FC5-50A9-47EC-B2F9-EBA60DBB49AF}" type="slidenum">
               <a:t>&lt;#&gt;</a:t>
             </a:fld>
           </a:p>
@@ -988,7 +844,7 @@
             <a:spLocks noGrp="1"/>
           </p:cNvSpPr>
           <p:nvPr>
-            <p:ph type="dt" idx="1"/>
+            <p:ph type="dt" idx="3"/>
           </p:nvPr>
         </p:nvSpPr>
         <p:spPr/>
@@ -1026,7 +882,7 @@
       </p:grpSpPr>
       <p:sp>
         <p:nvSpPr>
-          <p:cNvPr id="11" name="PlaceHolder 1"/>
+          <p:cNvPr id="9" name="PlaceHolder 1"/>
           <p:cNvSpPr>
             <a:spLocks noGrp="1"/>
           </p:cNvSpPr>
@@ -1052,18 +908,18 @@
             <a:noAutofit/>
           </a:bodyPr>
           <a:p>
-            <a:endParaRPr b="0" lang="en-US" sz="1800" spc="-1" strike="noStrike">
-              <a:solidFill>
-                <a:srgbClr val="000000"/>
-              </a:solidFill>
-              <a:latin typeface="Century Gothic"/>
-            </a:endParaRPr>
-          </a:p>
-        </p:txBody>
-      </p:sp>
-      <p:sp>
-        <p:nvSpPr>
-          <p:cNvPr id="12" name="PlaceHolder 2"/>
+            <a:pPr algn="ctr">
+              <a:buNone/>
+            </a:pPr>
+            <a:endParaRPr b="0" lang="en-US" sz="4400" spc="-1" strike="noStrike">
+              <a:latin typeface="Arial"/>
+            </a:endParaRPr>
+          </a:p>
+        </p:txBody>
+      </p:sp>
+      <p:sp>
+        <p:nvSpPr>
+          <p:cNvPr id="10" name="PlaceHolder 2"/>
           <p:cNvSpPr>
             <a:spLocks noGrp="1"/>
           </p:cNvSpPr>
@@ -1105,7 +961,7 @@
             <a:spLocks noGrp="1"/>
           </p:cNvSpPr>
           <p:nvPr>
-            <p:ph type="ftr" idx="2"/>
+            <p:ph type="ftr" idx="1"/>
           </p:nvPr>
         </p:nvSpPr>
         <p:spPr/>
@@ -1125,14 +981,14 @@
             <a:spLocks noGrp="1"/>
           </p:cNvSpPr>
           <p:nvPr>
-            <p:ph type="sldNum" idx="3"/>
+            <p:ph type="sldNum" idx="2"/>
           </p:nvPr>
         </p:nvSpPr>
         <p:spPr/>
         <p:txBody>
           <a:bodyPr/>
           <a:p>
-            <a:fld id="{2F4C8A2A-6643-46C3-AC30-2CD947C7AA0F}" type="slidenum">
+            <a:fld id="{8752B3B4-AFA0-4AEE-8A21-F3CD3B81FC67}" type="slidenum">
               <a:t>&lt;#&gt;</a:t>
             </a:fld>
           </a:p>
@@ -1145,7 +1001,7 @@
             <a:spLocks noGrp="1"/>
           </p:cNvSpPr>
           <p:nvPr>
-            <p:ph type="dt" idx="1"/>
+            <p:ph type="dt" idx="3"/>
           </p:nvPr>
         </p:nvSpPr>
         <p:spPr/>
@@ -1183,7 +1039,7 @@
       </p:grpSpPr>
       <p:sp>
         <p:nvSpPr>
-          <p:cNvPr id="13" name="PlaceHolder 1"/>
+          <p:cNvPr id="11" name="PlaceHolder 1"/>
           <p:cNvSpPr>
             <a:spLocks noGrp="1"/>
           </p:cNvSpPr>
@@ -1209,18 +1065,18 @@
             <a:noAutofit/>
           </a:bodyPr>
           <a:p>
-            <a:endParaRPr b="0" lang="en-US" sz="1800" spc="-1" strike="noStrike">
-              <a:solidFill>
-                <a:srgbClr val="000000"/>
-              </a:solidFill>
-              <a:latin typeface="Century Gothic"/>
-            </a:endParaRPr>
-          </a:p>
-        </p:txBody>
-      </p:sp>
-      <p:sp>
-        <p:nvSpPr>
-          <p:cNvPr id="14" name="PlaceHolder 2"/>
+            <a:pPr algn="ctr">
+              <a:buNone/>
+            </a:pPr>
+            <a:endParaRPr b="0" lang="en-US" sz="4400" spc="-1" strike="noStrike">
+              <a:latin typeface="Arial"/>
+            </a:endParaRPr>
+          </a:p>
+        </p:txBody>
+      </p:sp>
+      <p:sp>
+        <p:nvSpPr>
+          <p:cNvPr id="12" name="PlaceHolder 2"/>
           <p:cNvSpPr>
             <a:spLocks noGrp="1"/>
           </p:cNvSpPr>
@@ -1246,20 +1102,8 @@
             <a:normAutofit/>
           </a:bodyPr>
           <a:p>
-            <a:pPr>
-              <a:lnSpc>
-                <a:spcPct val="90000"/>
-              </a:lnSpc>
-              <a:spcBef>
-                <a:spcPts val="1417"/>
-              </a:spcBef>
-              <a:buNone/>
-            </a:pPr>
-            <a:endParaRPr b="0" lang="en-US" sz="1100" spc="-1" strike="noStrike">
-              <a:solidFill>
-                <a:srgbClr val="003b4f"/>
-              </a:solidFill>
-              <a:latin typeface="Century Gothic"/>
+            <a:endParaRPr b="0" lang="en-US" sz="3200" spc="-1" strike="noStrike">
+              <a:latin typeface="Arial"/>
             </a:endParaRPr>
           </a:p>
         </p:txBody>
@@ -1271,7 +1115,7 @@
             <a:spLocks noGrp="1"/>
           </p:cNvSpPr>
           <p:nvPr>
-            <p:ph type="ftr" idx="2"/>
+            <p:ph type="ftr" idx="1"/>
           </p:nvPr>
         </p:nvSpPr>
         <p:spPr/>
@@ -1291,14 +1135,14 @@
             <a:spLocks noGrp="1"/>
           </p:cNvSpPr>
           <p:nvPr>
-            <p:ph type="sldNum" idx="3"/>
+            <p:ph type="sldNum" idx="2"/>
           </p:nvPr>
         </p:nvSpPr>
         <p:spPr/>
         <p:txBody>
           <a:bodyPr/>
           <a:p>
-            <a:fld id="{3E103354-B30A-4F74-AB23-5A7ACB79DA16}" type="slidenum">
+            <a:fld id="{16F9E68B-3FEF-453E-8B2F-A84433FEE3FE}" type="slidenum">
               <a:t>&lt;#&gt;</a:t>
             </a:fld>
           </a:p>
@@ -1311,7 +1155,7 @@
             <a:spLocks noGrp="1"/>
           </p:cNvSpPr>
           <p:nvPr>
-            <p:ph type="dt" idx="1"/>
+            <p:ph type="dt" idx="3"/>
           </p:nvPr>
         </p:nvSpPr>
         <p:spPr/>
@@ -1349,7 +1193,7 @@
       </p:grpSpPr>
       <p:sp>
         <p:nvSpPr>
-          <p:cNvPr id="15" name="PlaceHolder 1"/>
+          <p:cNvPr id="13" name="PlaceHolder 1"/>
           <p:cNvSpPr>
             <a:spLocks noGrp="1"/>
           </p:cNvSpPr>
@@ -1375,18 +1219,18 @@
             <a:noAutofit/>
           </a:bodyPr>
           <a:p>
-            <a:endParaRPr b="0" lang="en-US" sz="1800" spc="-1" strike="noStrike">
-              <a:solidFill>
-                <a:srgbClr val="000000"/>
-              </a:solidFill>
-              <a:latin typeface="Century Gothic"/>
-            </a:endParaRPr>
-          </a:p>
-        </p:txBody>
-      </p:sp>
-      <p:sp>
-        <p:nvSpPr>
-          <p:cNvPr id="16" name="PlaceHolder 2"/>
+            <a:pPr algn="ctr">
+              <a:buNone/>
+            </a:pPr>
+            <a:endParaRPr b="0" lang="en-US" sz="4400" spc="-1" strike="noStrike">
+              <a:latin typeface="Arial"/>
+            </a:endParaRPr>
+          </a:p>
+        </p:txBody>
+      </p:sp>
+      <p:sp>
+        <p:nvSpPr>
+          <p:cNvPr id="14" name="PlaceHolder 2"/>
           <p:cNvSpPr>
             <a:spLocks noGrp="1"/>
           </p:cNvSpPr>
@@ -1412,27 +1256,15 @@
             <a:normAutofit/>
           </a:bodyPr>
           <a:p>
-            <a:pPr>
-              <a:lnSpc>
-                <a:spcPct val="90000"/>
-              </a:lnSpc>
-              <a:spcBef>
-                <a:spcPts val="1417"/>
-              </a:spcBef>
-              <a:buNone/>
-            </a:pPr>
-            <a:endParaRPr b="0" lang="en-US" sz="1100" spc="-1" strike="noStrike">
-              <a:solidFill>
-                <a:srgbClr val="003b4f"/>
-              </a:solidFill>
-              <a:latin typeface="Century Gothic"/>
-            </a:endParaRPr>
-          </a:p>
-        </p:txBody>
-      </p:sp>
-      <p:sp>
-        <p:nvSpPr>
-          <p:cNvPr id="17" name="PlaceHolder 3"/>
+            <a:endParaRPr b="0" lang="en-US" sz="3200" spc="-1" strike="noStrike">
+              <a:latin typeface="Arial"/>
+            </a:endParaRPr>
+          </a:p>
+        </p:txBody>
+      </p:sp>
+      <p:sp>
+        <p:nvSpPr>
+          <p:cNvPr id="15" name="PlaceHolder 3"/>
           <p:cNvSpPr>
             <a:spLocks noGrp="1"/>
           </p:cNvSpPr>
@@ -1458,20 +1290,8 @@
             <a:normAutofit/>
           </a:bodyPr>
           <a:p>
-            <a:pPr>
-              <a:lnSpc>
-                <a:spcPct val="90000"/>
-              </a:lnSpc>
-              <a:spcBef>
-                <a:spcPts val="1417"/>
-              </a:spcBef>
-              <a:buNone/>
-            </a:pPr>
-            <a:endParaRPr b="0" lang="en-US" sz="1100" spc="-1" strike="noStrike">
-              <a:solidFill>
-                <a:srgbClr val="003b4f"/>
-              </a:solidFill>
-              <a:latin typeface="Century Gothic"/>
+            <a:endParaRPr b="0" lang="en-US" sz="3200" spc="-1" strike="noStrike">
+              <a:latin typeface="Arial"/>
             </a:endParaRPr>
           </a:p>
         </p:txBody>
@@ -1483,7 +1303,7 @@
             <a:spLocks noGrp="1"/>
           </p:cNvSpPr>
           <p:nvPr>
-            <p:ph type="ftr" idx="2"/>
+            <p:ph type="ftr" idx="1"/>
           </p:nvPr>
         </p:nvSpPr>
         <p:spPr/>
@@ -1503,14 +1323,14 @@
             <a:spLocks noGrp="1"/>
           </p:cNvSpPr>
           <p:nvPr>
-            <p:ph type="sldNum" idx="3"/>
+            <p:ph type="sldNum" idx="2"/>
           </p:nvPr>
         </p:nvSpPr>
         <p:spPr/>
         <p:txBody>
           <a:bodyPr/>
           <a:p>
-            <a:fld id="{14D37A52-3B0C-4803-B00A-7BDD9128BB98}" type="slidenum">
+            <a:fld id="{90B6BAF8-764B-47DA-AB11-F42154C3B391}" type="slidenum">
               <a:t>&lt;#&gt;</a:t>
             </a:fld>
           </a:p>
@@ -1523,7 +1343,7 @@
             <a:spLocks noGrp="1"/>
           </p:cNvSpPr>
           <p:nvPr>
-            <p:ph type="dt" idx="1"/>
+            <p:ph type="dt" idx="3"/>
           </p:nvPr>
         </p:nvSpPr>
         <p:spPr/>
@@ -1561,7 +1381,7 @@
       </p:grpSpPr>
       <p:sp>
         <p:nvSpPr>
-          <p:cNvPr id="18" name="PlaceHolder 1"/>
+          <p:cNvPr id="16" name="PlaceHolder 1"/>
           <p:cNvSpPr>
             <a:spLocks noGrp="1"/>
           </p:cNvSpPr>
@@ -1587,11 +1407,11 @@
             <a:noAutofit/>
           </a:bodyPr>
           <a:p>
-            <a:endParaRPr b="0" lang="en-US" sz="1800" spc="-1" strike="noStrike">
-              <a:solidFill>
-                <a:srgbClr val="000000"/>
-              </a:solidFill>
-              <a:latin typeface="Century Gothic"/>
+            <a:pPr algn="ctr">
+              <a:buNone/>
+            </a:pPr>
+            <a:endParaRPr b="0" lang="en-US" sz="4400" spc="-1" strike="noStrike">
+              <a:latin typeface="Arial"/>
             </a:endParaRPr>
           </a:p>
         </p:txBody>
@@ -1603,7 +1423,7 @@
             <a:spLocks noGrp="1"/>
           </p:cNvSpPr>
           <p:nvPr>
-            <p:ph type="ftr" idx="2"/>
+            <p:ph type="ftr" idx="1"/>
           </p:nvPr>
         </p:nvSpPr>
         <p:spPr/>
@@ -1623,14 +1443,14 @@
             <a:spLocks noGrp="1"/>
           </p:cNvSpPr>
           <p:nvPr>
-            <p:ph type="sldNum" idx="3"/>
+            <p:ph type="sldNum" idx="2"/>
           </p:nvPr>
         </p:nvSpPr>
         <p:spPr/>
         <p:txBody>
           <a:bodyPr/>
           <a:p>
-            <a:fld id="{EA0E8AFB-88C4-4A84-B31D-6E8E648345B7}" type="slidenum">
+            <a:fld id="{0F747144-4DDE-45EB-BCF2-208FDD6EAED3}" type="slidenum">
               <a:t>&lt;#&gt;</a:t>
             </a:fld>
           </a:p>
@@ -1643,7 +1463,7 @@
             <a:spLocks noGrp="1"/>
           </p:cNvSpPr>
           <p:nvPr>
-            <p:ph type="dt" idx="1"/>
+            <p:ph type="dt" idx="3"/>
           </p:nvPr>
         </p:nvSpPr>
         <p:spPr/>
@@ -1681,7 +1501,7 @@
       </p:grpSpPr>
       <p:sp>
         <p:nvSpPr>
-          <p:cNvPr id="19" name="PlaceHolder 1"/>
+          <p:cNvPr id="17" name="PlaceHolder 1"/>
           <p:cNvSpPr>
             <a:spLocks noGrp="1"/>
           </p:cNvSpPr>
@@ -1723,7 +1543,7 @@
             <a:spLocks noGrp="1"/>
           </p:cNvSpPr>
           <p:nvPr>
-            <p:ph type="ftr" idx="2"/>
+            <p:ph type="ftr" idx="1"/>
           </p:nvPr>
         </p:nvSpPr>
         <p:spPr/>
@@ -1743,14 +1563,14 @@
             <a:spLocks noGrp="1"/>
           </p:cNvSpPr>
           <p:nvPr>
-            <p:ph type="sldNum" idx="3"/>
+            <p:ph type="sldNum" idx="2"/>
           </p:nvPr>
         </p:nvSpPr>
         <p:spPr/>
         <p:txBody>
           <a:bodyPr/>
           <a:p>
-            <a:fld id="{A541A817-D68C-417D-A702-8806B2FF0C77}" type="slidenum">
+            <a:fld id="{10FE81DD-0E4E-4FDF-A23F-F513CC928913}" type="slidenum">
               <a:t>&lt;#&gt;</a:t>
             </a:fld>
           </a:p>
@@ -1763,7 +1583,7 @@
             <a:spLocks noGrp="1"/>
           </p:cNvSpPr>
           <p:nvPr>
-            <p:ph type="dt" idx="1"/>
+            <p:ph type="dt" idx="3"/>
           </p:nvPr>
         </p:nvSpPr>
         <p:spPr/>
@@ -1801,7 +1621,7 @@
       </p:grpSpPr>
       <p:sp>
         <p:nvSpPr>
-          <p:cNvPr id="20" name="PlaceHolder 1"/>
+          <p:cNvPr id="18" name="PlaceHolder 1"/>
           <p:cNvSpPr>
             <a:spLocks noGrp="1"/>
           </p:cNvSpPr>
@@ -1827,18 +1647,18 @@
             <a:noAutofit/>
           </a:bodyPr>
           <a:p>
-            <a:endParaRPr b="0" lang="en-US" sz="1800" spc="-1" strike="noStrike">
-              <a:solidFill>
-                <a:srgbClr val="000000"/>
-              </a:solidFill>
-              <a:latin typeface="Century Gothic"/>
-            </a:endParaRPr>
-          </a:p>
-        </p:txBody>
-      </p:sp>
-      <p:sp>
-        <p:nvSpPr>
-          <p:cNvPr id="21" name="PlaceHolder 2"/>
+            <a:pPr algn="ctr">
+              <a:buNone/>
+            </a:pPr>
+            <a:endParaRPr b="0" lang="en-US" sz="4400" spc="-1" strike="noStrike">
+              <a:latin typeface="Arial"/>
+            </a:endParaRPr>
+          </a:p>
+        </p:txBody>
+      </p:sp>
+      <p:sp>
+        <p:nvSpPr>
+          <p:cNvPr id="19" name="PlaceHolder 2"/>
           <p:cNvSpPr>
             <a:spLocks noGrp="1"/>
           </p:cNvSpPr>
@@ -1864,27 +1684,15 @@
             <a:normAutofit/>
           </a:bodyPr>
           <a:p>
-            <a:pPr>
-              <a:lnSpc>
-                <a:spcPct val="90000"/>
-              </a:lnSpc>
-              <a:spcBef>
-                <a:spcPts val="1417"/>
-              </a:spcBef>
-              <a:buNone/>
-            </a:pPr>
-            <a:endParaRPr b="0" lang="en-US" sz="1100" spc="-1" strike="noStrike">
-              <a:solidFill>
-                <a:srgbClr val="003b4f"/>
-              </a:solidFill>
-              <a:latin typeface="Century Gothic"/>
-            </a:endParaRPr>
-          </a:p>
-        </p:txBody>
-      </p:sp>
-      <p:sp>
-        <p:nvSpPr>
-          <p:cNvPr id="22" name="PlaceHolder 3"/>
+            <a:endParaRPr b="0" lang="en-US" sz="3200" spc="-1" strike="noStrike">
+              <a:latin typeface="Arial"/>
+            </a:endParaRPr>
+          </a:p>
+        </p:txBody>
+      </p:sp>
+      <p:sp>
+        <p:nvSpPr>
+          <p:cNvPr id="20" name="PlaceHolder 3"/>
           <p:cNvSpPr>
             <a:spLocks noGrp="1"/>
           </p:cNvSpPr>
@@ -1910,27 +1718,15 @@
             <a:normAutofit/>
           </a:bodyPr>
           <a:p>
-            <a:pPr>
-              <a:lnSpc>
-                <a:spcPct val="90000"/>
-              </a:lnSpc>
-              <a:spcBef>
-                <a:spcPts val="1417"/>
-              </a:spcBef>
-              <a:buNone/>
-            </a:pPr>
-            <a:endParaRPr b="0" lang="en-US" sz="1100" spc="-1" strike="noStrike">
-              <a:solidFill>
-                <a:srgbClr val="003b4f"/>
-              </a:solidFill>
-              <a:latin typeface="Century Gothic"/>
-            </a:endParaRPr>
-          </a:p>
-        </p:txBody>
-      </p:sp>
-      <p:sp>
-        <p:nvSpPr>
-          <p:cNvPr id="23" name="PlaceHolder 4"/>
+            <a:endParaRPr b="0" lang="en-US" sz="3200" spc="-1" strike="noStrike">
+              <a:latin typeface="Arial"/>
+            </a:endParaRPr>
+          </a:p>
+        </p:txBody>
+      </p:sp>
+      <p:sp>
+        <p:nvSpPr>
+          <p:cNvPr id="21" name="PlaceHolder 4"/>
           <p:cNvSpPr>
             <a:spLocks noGrp="1"/>
           </p:cNvSpPr>
@@ -1956,20 +1752,8 @@
             <a:normAutofit/>
           </a:bodyPr>
           <a:p>
-            <a:pPr>
-              <a:lnSpc>
-                <a:spcPct val="90000"/>
-              </a:lnSpc>
-              <a:spcBef>
-                <a:spcPts val="1417"/>
-              </a:spcBef>
-              <a:buNone/>
-            </a:pPr>
-            <a:endParaRPr b="0" lang="en-US" sz="1100" spc="-1" strike="noStrike">
-              <a:solidFill>
-                <a:srgbClr val="003b4f"/>
-              </a:solidFill>
-              <a:latin typeface="Century Gothic"/>
+            <a:endParaRPr b="0" lang="en-US" sz="3200" spc="-1" strike="noStrike">
+              <a:latin typeface="Arial"/>
             </a:endParaRPr>
           </a:p>
         </p:txBody>
@@ -1981,7 +1765,7 @@
             <a:spLocks noGrp="1"/>
           </p:cNvSpPr>
           <p:nvPr>
-            <p:ph type="ftr" idx="2"/>
+            <p:ph type="ftr" idx="1"/>
           </p:nvPr>
         </p:nvSpPr>
         <p:spPr/>
@@ -2001,14 +1785,14 @@
             <a:spLocks noGrp="1"/>
           </p:cNvSpPr>
           <p:nvPr>
-            <p:ph type="sldNum" idx="3"/>
+            <p:ph type="sldNum" idx="2"/>
           </p:nvPr>
         </p:nvSpPr>
         <p:spPr/>
         <p:txBody>
           <a:bodyPr/>
           <a:p>
-            <a:fld id="{D1D4F61D-2D76-46BE-A5EF-5B8B5477DDDC}" type="slidenum">
+            <a:fld id="{22BA81B9-82AD-4E38-A204-905022400F19}" type="slidenum">
               <a:t>&lt;#&gt;</a:t>
             </a:fld>
           </a:p>
@@ -2021,7 +1805,7 @@
             <a:spLocks noGrp="1"/>
           </p:cNvSpPr>
           <p:nvPr>
-            <p:ph type="dt" idx="1"/>
+            <p:ph type="dt" idx="3"/>
           </p:nvPr>
         </p:nvSpPr>
         <p:spPr/>
@@ -2059,7 +1843,7 @@
       </p:grpSpPr>
       <p:sp>
         <p:nvSpPr>
-          <p:cNvPr id="24" name="PlaceHolder 1"/>
+          <p:cNvPr id="22" name="PlaceHolder 1"/>
           <p:cNvSpPr>
             <a:spLocks noGrp="1"/>
           </p:cNvSpPr>
@@ -2085,18 +1869,18 @@
             <a:noAutofit/>
           </a:bodyPr>
           <a:p>
-            <a:endParaRPr b="0" lang="en-US" sz="1800" spc="-1" strike="noStrike">
-              <a:solidFill>
-                <a:srgbClr val="000000"/>
-              </a:solidFill>
-              <a:latin typeface="Century Gothic"/>
-            </a:endParaRPr>
-          </a:p>
-        </p:txBody>
-      </p:sp>
-      <p:sp>
-        <p:nvSpPr>
-          <p:cNvPr id="25" name="PlaceHolder 2"/>
+            <a:pPr algn="ctr">
+              <a:buNone/>
+            </a:pPr>
+            <a:endParaRPr b="0" lang="en-US" sz="4400" spc="-1" strike="noStrike">
+              <a:latin typeface="Arial"/>
+            </a:endParaRPr>
+          </a:p>
+        </p:txBody>
+      </p:sp>
+      <p:sp>
+        <p:nvSpPr>
+          <p:cNvPr id="23" name="PlaceHolder 2"/>
           <p:cNvSpPr>
             <a:spLocks noGrp="1"/>
           </p:cNvSpPr>
@@ -2122,27 +1906,15 @@
             <a:normAutofit/>
           </a:bodyPr>
           <a:p>
-            <a:pPr>
-              <a:lnSpc>
-                <a:spcPct val="90000"/>
-              </a:lnSpc>
-              <a:spcBef>
-                <a:spcPts val="1417"/>
-              </a:spcBef>
-              <a:buNone/>
-            </a:pPr>
-            <a:endParaRPr b="0" lang="en-US" sz="1100" spc="-1" strike="noStrike">
-              <a:solidFill>
-                <a:srgbClr val="003b4f"/>
-              </a:solidFill>
-              <a:latin typeface="Century Gothic"/>
-            </a:endParaRPr>
-          </a:p>
-        </p:txBody>
-      </p:sp>
-      <p:sp>
-        <p:nvSpPr>
-          <p:cNvPr id="26" name="PlaceHolder 3"/>
+            <a:endParaRPr b="0" lang="en-US" sz="3200" spc="-1" strike="noStrike">
+              <a:latin typeface="Arial"/>
+            </a:endParaRPr>
+          </a:p>
+        </p:txBody>
+      </p:sp>
+      <p:sp>
+        <p:nvSpPr>
+          <p:cNvPr id="24" name="PlaceHolder 3"/>
           <p:cNvSpPr>
             <a:spLocks noGrp="1"/>
           </p:cNvSpPr>
@@ -2168,27 +1940,15 @@
             <a:normAutofit/>
           </a:bodyPr>
           <a:p>
-            <a:pPr>
-              <a:lnSpc>
-                <a:spcPct val="90000"/>
-              </a:lnSpc>
-              <a:spcBef>
-                <a:spcPts val="1417"/>
-              </a:spcBef>
-              <a:buNone/>
-            </a:pPr>
-            <a:endParaRPr b="0" lang="en-US" sz="1100" spc="-1" strike="noStrike">
-              <a:solidFill>
-                <a:srgbClr val="003b4f"/>
-              </a:solidFill>
-              <a:latin typeface="Century Gothic"/>
-            </a:endParaRPr>
-          </a:p>
-        </p:txBody>
-      </p:sp>
-      <p:sp>
-        <p:nvSpPr>
-          <p:cNvPr id="27" name="PlaceHolder 4"/>
+            <a:endParaRPr b="0" lang="en-US" sz="3200" spc="-1" strike="noStrike">
+              <a:latin typeface="Arial"/>
+            </a:endParaRPr>
+          </a:p>
+        </p:txBody>
+      </p:sp>
+      <p:sp>
+        <p:nvSpPr>
+          <p:cNvPr id="25" name="PlaceHolder 4"/>
           <p:cNvSpPr>
             <a:spLocks noGrp="1"/>
           </p:cNvSpPr>
@@ -2214,20 +1974,8 @@
             <a:normAutofit/>
           </a:bodyPr>
           <a:p>
-            <a:pPr>
-              <a:lnSpc>
-                <a:spcPct val="90000"/>
-              </a:lnSpc>
-              <a:spcBef>
-                <a:spcPts val="1417"/>
-              </a:spcBef>
-              <a:buNone/>
-            </a:pPr>
-            <a:endParaRPr b="0" lang="en-US" sz="1100" spc="-1" strike="noStrike">
-              <a:solidFill>
-                <a:srgbClr val="003b4f"/>
-              </a:solidFill>
-              <a:latin typeface="Century Gothic"/>
+            <a:endParaRPr b="0" lang="en-US" sz="3200" spc="-1" strike="noStrike">
+              <a:latin typeface="Arial"/>
             </a:endParaRPr>
           </a:p>
         </p:txBody>
@@ -2239,7 +1987,7 @@
             <a:spLocks noGrp="1"/>
           </p:cNvSpPr>
           <p:nvPr>
-            <p:ph type="ftr" idx="2"/>
+            <p:ph type="ftr" idx="1"/>
           </p:nvPr>
         </p:nvSpPr>
         <p:spPr/>
@@ -2259,14 +2007,14 @@
             <a:spLocks noGrp="1"/>
           </p:cNvSpPr>
           <p:nvPr>
-            <p:ph type="sldNum" idx="3"/>
+            <p:ph type="sldNum" idx="2"/>
           </p:nvPr>
         </p:nvSpPr>
         <p:spPr/>
         <p:txBody>
           <a:bodyPr/>
           <a:p>
-            <a:fld id="{6CC262C0-AE7D-492B-84CF-213DAC816EA1}" type="slidenum">
+            <a:fld id="{4083FAB2-E9E1-40AF-B461-01C98D05C917}" type="slidenum">
               <a:t>&lt;#&gt;</a:t>
             </a:fld>
           </a:p>
@@ -2279,7 +2027,7 @@
             <a:spLocks noGrp="1"/>
           </p:cNvSpPr>
           <p:nvPr>
-            <p:ph type="dt" idx="1"/>
+            <p:ph type="dt" idx="3"/>
           </p:nvPr>
         </p:nvSpPr>
         <p:spPr/>
@@ -2317,7 +2065,7 @@
       </p:grpSpPr>
       <p:sp>
         <p:nvSpPr>
-          <p:cNvPr id="28" name="PlaceHolder 1"/>
+          <p:cNvPr id="26" name="PlaceHolder 1"/>
           <p:cNvSpPr>
             <a:spLocks noGrp="1"/>
           </p:cNvSpPr>
@@ -2343,18 +2091,18 @@
             <a:noAutofit/>
           </a:bodyPr>
           <a:p>
-            <a:endParaRPr b="0" lang="en-US" sz="1800" spc="-1" strike="noStrike">
-              <a:solidFill>
-                <a:srgbClr val="000000"/>
-              </a:solidFill>
-              <a:latin typeface="Century Gothic"/>
-            </a:endParaRPr>
-          </a:p>
-        </p:txBody>
-      </p:sp>
-      <p:sp>
-        <p:nvSpPr>
-          <p:cNvPr id="29" name="PlaceHolder 2"/>
+            <a:pPr algn="ctr">
+              <a:buNone/>
+            </a:pPr>
+            <a:endParaRPr b="0" lang="en-US" sz="4400" spc="-1" strike="noStrike">
+              <a:latin typeface="Arial"/>
+            </a:endParaRPr>
+          </a:p>
+        </p:txBody>
+      </p:sp>
+      <p:sp>
+        <p:nvSpPr>
+          <p:cNvPr id="27" name="PlaceHolder 2"/>
           <p:cNvSpPr>
             <a:spLocks noGrp="1"/>
           </p:cNvSpPr>
@@ -2380,27 +2128,15 @@
             <a:normAutofit/>
           </a:bodyPr>
           <a:p>
-            <a:pPr>
-              <a:lnSpc>
-                <a:spcPct val="90000"/>
-              </a:lnSpc>
-              <a:spcBef>
-                <a:spcPts val="1417"/>
-              </a:spcBef>
-              <a:buNone/>
-            </a:pPr>
-            <a:endParaRPr b="0" lang="en-US" sz="1100" spc="-1" strike="noStrike">
-              <a:solidFill>
-                <a:srgbClr val="003b4f"/>
-              </a:solidFill>
-              <a:latin typeface="Century Gothic"/>
-            </a:endParaRPr>
-          </a:p>
-        </p:txBody>
-      </p:sp>
-      <p:sp>
-        <p:nvSpPr>
-          <p:cNvPr id="30" name="PlaceHolder 3"/>
+            <a:endParaRPr b="0" lang="en-US" sz="3200" spc="-1" strike="noStrike">
+              <a:latin typeface="Arial"/>
+            </a:endParaRPr>
+          </a:p>
+        </p:txBody>
+      </p:sp>
+      <p:sp>
+        <p:nvSpPr>
+          <p:cNvPr id="28" name="PlaceHolder 3"/>
           <p:cNvSpPr>
             <a:spLocks noGrp="1"/>
           </p:cNvSpPr>
@@ -2426,27 +2162,15 @@
             <a:normAutofit/>
           </a:bodyPr>
           <a:p>
-            <a:pPr>
-              <a:lnSpc>
-                <a:spcPct val="90000"/>
-              </a:lnSpc>
-              <a:spcBef>
-                <a:spcPts val="1417"/>
-              </a:spcBef>
-              <a:buNone/>
-            </a:pPr>
-            <a:endParaRPr b="0" lang="en-US" sz="1100" spc="-1" strike="noStrike">
-              <a:solidFill>
-                <a:srgbClr val="003b4f"/>
-              </a:solidFill>
-              <a:latin typeface="Century Gothic"/>
-            </a:endParaRPr>
-          </a:p>
-        </p:txBody>
-      </p:sp>
-      <p:sp>
-        <p:nvSpPr>
-          <p:cNvPr id="31" name="PlaceHolder 4"/>
+            <a:endParaRPr b="0" lang="en-US" sz="3200" spc="-1" strike="noStrike">
+              <a:latin typeface="Arial"/>
+            </a:endParaRPr>
+          </a:p>
+        </p:txBody>
+      </p:sp>
+      <p:sp>
+        <p:nvSpPr>
+          <p:cNvPr id="29" name="PlaceHolder 4"/>
           <p:cNvSpPr>
             <a:spLocks noGrp="1"/>
           </p:cNvSpPr>
@@ -2472,20 +2196,8 @@
             <a:normAutofit/>
           </a:bodyPr>
           <a:p>
-            <a:pPr>
-              <a:lnSpc>
-                <a:spcPct val="90000"/>
-              </a:lnSpc>
-              <a:spcBef>
-                <a:spcPts val="1417"/>
-              </a:spcBef>
-              <a:buNone/>
-            </a:pPr>
-            <a:endParaRPr b="0" lang="en-US" sz="1100" spc="-1" strike="noStrike">
-              <a:solidFill>
-                <a:srgbClr val="003b4f"/>
-              </a:solidFill>
-              <a:latin typeface="Century Gothic"/>
+            <a:endParaRPr b="0" lang="en-US" sz="3200" spc="-1" strike="noStrike">
+              <a:latin typeface="Arial"/>
             </a:endParaRPr>
           </a:p>
         </p:txBody>
@@ -2497,7 +2209,7 @@
             <a:spLocks noGrp="1"/>
           </p:cNvSpPr>
           <p:nvPr>
-            <p:ph type="ftr" idx="2"/>
+            <p:ph type="ftr" idx="1"/>
           </p:nvPr>
         </p:nvSpPr>
         <p:spPr/>
@@ -2517,14 +2229,14 @@
             <a:spLocks noGrp="1"/>
           </p:cNvSpPr>
           <p:nvPr>
-            <p:ph type="sldNum" idx="3"/>
+            <p:ph type="sldNum" idx="2"/>
           </p:nvPr>
         </p:nvSpPr>
         <p:spPr/>
         <p:txBody>
           <a:bodyPr/>
           <a:p>
-            <a:fld id="{1C3EF78F-DEFA-4A80-AD31-19875AC1C3A8}" type="slidenum">
+            <a:fld id="{54EDC70C-1053-41DC-BDD2-156B97602DEA}" type="slidenum">
               <a:t>&lt;#&gt;</a:t>
             </a:fld>
           </a:p>
@@ -2537,7 +2249,7 @@
             <a:spLocks noGrp="1"/>
           </p:cNvSpPr>
           <p:nvPr>
-            <p:ph type="dt" idx="1"/>
+            <p:ph type="dt" idx="3"/>
           </p:nvPr>
         </p:nvSpPr>
         <p:spPr/>
@@ -2589,7 +2301,7 @@
         <p:spPr>
           <a:xfrm>
             <a:off x="8126640" y="0"/>
-            <a:ext cx="4064760" cy="1257120"/>
+            <a:ext cx="4064400" cy="1256760"/>
           </a:xfrm>
           <a:prstGeom prst="rect">
             <a:avLst/>
@@ -2630,7 +2342,7 @@
         <p:spPr>
           <a:xfrm>
             <a:off x="0" y="0"/>
-            <a:ext cx="6915240" cy="6857640"/>
+            <a:ext cx="6914880" cy="6857280"/>
           </a:xfrm>
           <a:prstGeom prst="rect">
             <a:avLst/>
@@ -2649,7 +2361,7 @@
         <p:spPr>
           <a:xfrm>
             <a:off x="360" y="2126880"/>
-            <a:ext cx="120240" cy="4740480"/>
+            <a:ext cx="119880" cy="4740120"/>
           </a:xfrm>
           <a:prstGeom prst="rect">
             <a:avLst/>
@@ -2689,7 +2401,7 @@
         <p:spPr>
           <a:xfrm>
             <a:off x="8413200" y="322920"/>
-            <a:ext cx="1339560" cy="601920"/>
+            <a:ext cx="1339200" cy="601560"/>
           </a:xfrm>
           <a:prstGeom prst="rect">
             <a:avLst/>
@@ -2708,7 +2420,7 @@
         <p:spPr>
           <a:xfrm>
             <a:off x="9311400" y="-74880"/>
-            <a:ext cx="3536640" cy="1690200"/>
+            <a:ext cx="3536280" cy="1690200"/>
           </a:xfrm>
           <a:prstGeom prst="rect">
             <a:avLst/>
@@ -2736,13 +2448,14 @@
               <a:buNone/>
             </a:pPr>
             <a:r>
-              <a:rPr b="0" lang="en-US" sz="1600" spc="1197" strike="noStrike">
+              <a:rPr b="0" lang="en-US" sz="1600" spc="1194" strike="noStrike">
                 <a:solidFill>
                   <a:srgbClr val="bfbfbf">
                     <a:alpha val="36000"/>
                   </a:srgbClr>
                 </a:solidFill>
                 <a:latin typeface="Century Gothic"/>
+                <a:ea typeface="DejaVu Sans"/>
               </a:rPr>
               <a:t>................</a:t>
             </a:r>
@@ -2758,13 +2471,14 @@
               <a:buNone/>
             </a:pPr>
             <a:r>
-              <a:rPr b="0" lang="en-US" sz="1600" spc="1197" strike="noStrike">
+              <a:rPr b="0" lang="en-US" sz="1600" spc="1194" strike="noStrike">
                 <a:solidFill>
                   <a:srgbClr val="bfbfbf">
                     <a:alpha val="36000"/>
                   </a:srgbClr>
                 </a:solidFill>
                 <a:latin typeface="Century Gothic"/>
+                <a:ea typeface="DejaVu Sans"/>
               </a:rPr>
               <a:t>................</a:t>
             </a:r>
@@ -2780,13 +2494,14 @@
               <a:buNone/>
             </a:pPr>
             <a:r>
-              <a:rPr b="0" lang="en-US" sz="1600" spc="1197" strike="noStrike">
+              <a:rPr b="0" lang="en-US" sz="1600" spc="1194" strike="noStrike">
                 <a:solidFill>
                   <a:srgbClr val="bfbfbf">
                     <a:alpha val="36000"/>
                   </a:srgbClr>
                 </a:solidFill>
                 <a:latin typeface="Century Gothic"/>
+                <a:ea typeface="DejaVu Sans"/>
               </a:rPr>
               <a:t>................</a:t>
             </a:r>
@@ -2802,13 +2517,14 @@
               <a:buNone/>
             </a:pPr>
             <a:r>
-              <a:rPr b="0" lang="en-US" sz="1600" spc="1197" strike="noStrike">
+              <a:rPr b="0" lang="en-US" sz="1600" spc="1194" strike="noStrike">
                 <a:solidFill>
                   <a:srgbClr val="bfbfbf">
                     <a:alpha val="36000"/>
                   </a:srgbClr>
                 </a:solidFill>
                 <a:latin typeface="Century Gothic"/>
+                <a:ea typeface="DejaVu Sans"/>
               </a:rPr>
               <a:t>................</a:t>
             </a:r>
@@ -2824,13 +2540,14 @@
               <a:buNone/>
             </a:pPr>
             <a:r>
-              <a:rPr b="0" lang="en-US" sz="1600" spc="1197" strike="noStrike">
+              <a:rPr b="0" lang="en-US" sz="1600" spc="1194" strike="noStrike">
                 <a:solidFill>
                   <a:srgbClr val="bfbfbf">
                     <a:alpha val="36000"/>
                   </a:srgbClr>
                 </a:solidFill>
                 <a:latin typeface="Century Gothic"/>
+                <a:ea typeface="DejaVu Sans"/>
               </a:rPr>
               <a:t>................</a:t>
             </a:r>
@@ -2846,13 +2563,14 @@
               <a:buNone/>
             </a:pPr>
             <a:r>
-              <a:rPr b="0" lang="en-US" sz="1600" spc="1197" strike="noStrike">
+              <a:rPr b="0" lang="en-US" sz="1600" spc="1194" strike="noStrike">
                 <a:solidFill>
                   <a:srgbClr val="bfbfbf">
                     <a:alpha val="36000"/>
                   </a:srgbClr>
                 </a:solidFill>
                 <a:latin typeface="Century Gothic"/>
+                <a:ea typeface="DejaVu Sans"/>
               </a:rPr>
               <a:t>................</a:t>
             </a:r>
@@ -2868,13 +2586,14 @@
               <a:buNone/>
             </a:pPr>
             <a:r>
-              <a:rPr b="0" lang="en-US" sz="1600" spc="1197" strike="noStrike">
+              <a:rPr b="0" lang="en-US" sz="1600" spc="1194" strike="noStrike">
                 <a:solidFill>
                   <a:srgbClr val="bfbfbf">
                     <a:alpha val="36000"/>
                   </a:srgbClr>
                 </a:solidFill>
                 <a:latin typeface="Century Gothic"/>
+                <a:ea typeface="DejaVu Sans"/>
               </a:rPr>
               <a:t>................</a:t>
             </a:r>
@@ -2890,13 +2609,14 @@
               <a:buNone/>
             </a:pPr>
             <a:r>
-              <a:rPr b="0" lang="en-US" sz="1600" spc="1197" strike="noStrike">
+              <a:rPr b="0" lang="en-US" sz="1600" spc="1194" strike="noStrike">
                 <a:solidFill>
                   <a:srgbClr val="bfbfbf">
                     <a:alpha val="36000"/>
                   </a:srgbClr>
                 </a:solidFill>
                 <a:latin typeface="Century Gothic"/>
+                <a:ea typeface="DejaVu Sans"/>
               </a:rPr>
               <a:t>................</a:t>
             </a:r>
@@ -2926,7 +2646,7 @@
         <p:spPr>
           <a:xfrm>
             <a:off x="9978840" y="212760"/>
-            <a:ext cx="2106000" cy="714240"/>
+            <a:ext cx="2105640" cy="714240"/>
           </a:xfrm>
           <a:prstGeom prst="rect">
             <a:avLst/>
@@ -2959,6 +2679,7 @@
                   <a:srgbClr val="ffffff"/>
                 </a:solidFill>
                 <a:latin typeface="Century Gothic"/>
+                <a:ea typeface="DejaVu Sans"/>
               </a:rPr>
               <a:t>SEAP</a:t>
             </a:r>
@@ -2979,6 +2700,7 @@
                   <a:srgbClr val="ffffff"/>
                 </a:solidFill>
                 <a:latin typeface="Century Gothic"/>
+                <a:ea typeface="DejaVu Sans"/>
               </a:rPr>
               <a:t>SCIENCE AND ENGINEERING </a:t>
             </a:r>
@@ -2999,6 +2721,7 @@
                   <a:srgbClr val="ffffff"/>
                 </a:solidFill>
                 <a:latin typeface="Century Gothic"/>
+                <a:ea typeface="DejaVu Sans"/>
               </a:rPr>
               <a:t>APPRENTICE PROGRAM</a:t>
             </a:r>
@@ -3015,13 +2738,13 @@
             <a:spLocks noGrp="1"/>
           </p:cNvSpPr>
           <p:nvPr>
-            <p:ph type="dt" idx="1"/>
-          </p:nvPr>
-        </p:nvSpPr>
-        <p:spPr>
-          <a:xfrm>
-            <a:off x="838080" y="6356520"/>
-            <a:ext cx="2742840" cy="364680"/>
+            <p:ph type="ftr" idx="1"/>
+          </p:nvPr>
+        </p:nvSpPr>
+        <p:spPr>
+          <a:xfrm>
+            <a:off x="4038480" y="6356520"/>
+            <a:ext cx="4114080" cy="364320"/>
           </a:xfrm>
           <a:prstGeom prst="rect">
             <a:avLst/>
@@ -3036,18 +2759,28 @@
             <a:noAutofit/>
           </a:bodyPr>
           <a:lstStyle>
-            <a:lvl1pPr>
+            <a:lvl1pPr algn="ctr">
+              <a:lnSpc>
+                <a:spcPct val="100000"/>
+              </a:lnSpc>
+              <a:buNone/>
               <a:defRPr b="0" lang="en-US" sz="1400" spc="-1" strike="noStrike">
                 <a:latin typeface="Times New Roman"/>
               </a:defRPr>
             </a:lvl1pPr>
           </a:lstStyle>
           <a:p>
+            <a:pPr algn="ctr">
+              <a:lnSpc>
+                <a:spcPct val="100000"/>
+              </a:lnSpc>
+              <a:buNone/>
+            </a:pPr>
             <a:r>
               <a:rPr b="0" lang="en-US" sz="1400" spc="-1" strike="noStrike">
                 <a:latin typeface="Times New Roman"/>
               </a:rPr>
-              <a:t>&lt;date/time&gt;</a:t>
+              <a:t>&lt;footer&gt;</a:t>
             </a:r>
             <a:endParaRPr b="0" lang="en-US" sz="1400" spc="-1" strike="noStrike">
               <a:latin typeface="Times New Roman"/>
@@ -3062,64 +2795,13 @@
             <a:spLocks noGrp="1"/>
           </p:cNvSpPr>
           <p:nvPr>
-            <p:ph type="ftr" idx="2"/>
-          </p:nvPr>
-        </p:nvSpPr>
-        <p:spPr>
-          <a:xfrm>
-            <a:off x="4038480" y="6356520"/>
-            <a:ext cx="4114440" cy="364680"/>
-          </a:xfrm>
-          <a:prstGeom prst="rect">
-            <a:avLst/>
-          </a:prstGeom>
-          <a:noFill/>
-          <a:ln w="0">
-            <a:noFill/>
-          </a:ln>
-        </p:spPr>
-        <p:txBody>
-          <a:bodyPr lIns="90000" rIns="90000" tIns="45000" bIns="45000" anchor="t">
-            <a:noAutofit/>
-          </a:bodyPr>
-          <a:lstStyle>
-            <a:lvl1pPr algn="ctr">
-              <a:buNone/>
-              <a:defRPr b="0" lang="en-US" sz="1400" spc="-1" strike="noStrike">
-                <a:latin typeface="Times New Roman"/>
-              </a:defRPr>
-            </a:lvl1pPr>
-          </a:lstStyle>
-          <a:p>
-            <a:pPr algn="ctr">
-              <a:buNone/>
-            </a:pPr>
-            <a:r>
-              <a:rPr b="0" lang="en-US" sz="1400" spc="-1" strike="noStrike">
-                <a:latin typeface="Times New Roman"/>
-              </a:rPr>
-              <a:t>&lt;footer&gt;</a:t>
-            </a:r>
-            <a:endParaRPr b="0" lang="en-US" sz="1400" spc="-1" strike="noStrike">
-              <a:latin typeface="Times New Roman"/>
-            </a:endParaRPr>
-          </a:p>
-        </p:txBody>
-      </p:sp>
-      <p:sp>
-        <p:nvSpPr>
-          <p:cNvPr id="8" name="PlaceHolder 3"/>
-          <p:cNvSpPr>
-            <a:spLocks noGrp="1"/>
-          </p:cNvSpPr>
-          <p:nvPr>
-            <p:ph type="sldNum" idx="3"/>
+            <p:ph type="sldNum" idx="2"/>
           </p:nvPr>
         </p:nvSpPr>
         <p:spPr>
           <a:xfrm>
             <a:off x="8610480" y="6356520"/>
-            <a:ext cx="2742840" cy="364680"/>
+            <a:ext cx="2742480" cy="364320"/>
           </a:xfrm>
           <a:prstGeom prst="rect">
             <a:avLst/>
@@ -3154,7 +2836,7 @@
               </a:lnSpc>
               <a:buNone/>
             </a:pPr>
-            <a:fld id="{E9CABBEB-4F4F-425D-ACEA-2688F783B969}" type="slidenum">
+            <a:fld id="{62895E1A-A6E6-4D56-A7A3-065AD2B19025}" type="slidenum">
               <a:rPr b="0" lang="en-US" sz="1800" spc="-1" strike="noStrike">
                 <a:solidFill>
                   <a:srgbClr val="000000"/>
@@ -3171,292 +2853,47 @@
       </p:sp>
       <p:sp>
         <p:nvSpPr>
-          <p:cNvPr id="9" name="PlaceHolder 4"/>
-          <p:cNvSpPr>
-            <a:spLocks noGrp="1"/>
-          </p:cNvSpPr>
-          <p:nvPr>
-            <p:ph type="title"/>
-          </p:nvPr>
-        </p:nvSpPr>
-        <p:spPr>
-          <a:xfrm>
-            <a:off x="609480" y="273600"/>
-            <a:ext cx="10972440" cy="1144800"/>
-          </a:xfrm>
-          <a:prstGeom prst="rect">
-            <a:avLst/>
-          </a:prstGeom>
-          <a:noFill/>
-          <a:ln w="0">
-            <a:noFill/>
-          </a:ln>
-        </p:spPr>
-        <p:txBody>
-          <a:bodyPr lIns="0" rIns="0" tIns="0" bIns="0" anchor="ctr">
+          <p:cNvPr id="8" name="PlaceHolder 3"/>
+          <p:cNvSpPr>
+            <a:spLocks noGrp="1"/>
+          </p:cNvSpPr>
+          <p:nvPr>
+            <p:ph type="dt" idx="3"/>
+          </p:nvPr>
+        </p:nvSpPr>
+        <p:spPr>
+          <a:xfrm>
+            <a:off x="838080" y="6356520"/>
+            <a:ext cx="2742480" cy="364320"/>
+          </a:xfrm>
+          <a:prstGeom prst="rect">
+            <a:avLst/>
+          </a:prstGeom>
+          <a:noFill/>
+          <a:ln w="0">
+            <a:noFill/>
+          </a:ln>
+        </p:spPr>
+        <p:txBody>
+          <a:bodyPr lIns="90000" rIns="90000" tIns="45000" bIns="45000" anchor="t">
             <a:noAutofit/>
           </a:bodyPr>
-          <a:p>
-            <a:r>
-              <a:rPr b="0" lang="en-US" sz="1800" spc="-1" strike="noStrike">
-                <a:solidFill>
-                  <a:srgbClr val="000000"/>
-                </a:solidFill>
-                <a:latin typeface="Century Gothic"/>
-              </a:rPr>
-              <a:t>Click to edit the title text format</a:t>
-            </a:r>
-            <a:endParaRPr b="0" lang="en-US" sz="1800" spc="-1" strike="noStrike">
-              <a:solidFill>
-                <a:srgbClr val="000000"/>
-              </a:solidFill>
-              <a:latin typeface="Century Gothic"/>
-            </a:endParaRPr>
-          </a:p>
-        </p:txBody>
-      </p:sp>
-      <p:sp>
-        <p:nvSpPr>
-          <p:cNvPr id="10" name="PlaceHolder 5"/>
-          <p:cNvSpPr>
-            <a:spLocks noGrp="1"/>
-          </p:cNvSpPr>
-          <p:nvPr>
-            <p:ph type="body"/>
-          </p:nvPr>
-        </p:nvSpPr>
-        <p:spPr>
-          <a:xfrm>
-            <a:off x="609480" y="1604520"/>
-            <a:ext cx="10972440" cy="3977280"/>
-          </a:xfrm>
-          <a:prstGeom prst="rect">
-            <a:avLst/>
-          </a:prstGeom>
-          <a:noFill/>
-          <a:ln w="0">
-            <a:noFill/>
-          </a:ln>
-        </p:spPr>
-        <p:txBody>
-          <a:bodyPr lIns="0" rIns="0" tIns="0" bIns="0" anchor="t">
-            <a:normAutofit/>
-          </a:bodyPr>
-          <a:p>
-            <a:pPr marL="432000" indent="-324000">
-              <a:lnSpc>
-                <a:spcPct val="90000"/>
-              </a:lnSpc>
-              <a:spcBef>
-                <a:spcPts val="1417"/>
-              </a:spcBef>
-              <a:buClr>
-                <a:srgbClr val="000000"/>
-              </a:buClr>
-              <a:buSzPct val="45000"/>
-              <a:buFont typeface="Wingdings" charset="2"/>
-              <a:buChar char=""/>
-            </a:pPr>
-            <a:r>
-              <a:rPr b="0" lang="en-US" sz="1100" spc="-1" strike="noStrike">
-                <a:solidFill>
-                  <a:srgbClr val="003b4f"/>
-                </a:solidFill>
-                <a:latin typeface="Century Gothic"/>
-              </a:rPr>
-              <a:t>Click to edit the outline text format</a:t>
-            </a:r>
-            <a:endParaRPr b="0" lang="en-US" sz="1100" spc="-1" strike="noStrike">
-              <a:solidFill>
-                <a:srgbClr val="003b4f"/>
-              </a:solidFill>
-              <a:latin typeface="Century Gothic"/>
-            </a:endParaRPr>
-          </a:p>
-          <a:p>
-            <a:pPr lvl="1" marL="864000" indent="-324000">
-              <a:lnSpc>
-                <a:spcPct val="90000"/>
-              </a:lnSpc>
-              <a:spcBef>
-                <a:spcPts val="1134"/>
-              </a:spcBef>
-              <a:buClr>
-                <a:srgbClr val="000000"/>
-              </a:buClr>
-              <a:buSzPct val="75000"/>
-              <a:buFont typeface="Symbol" charset="2"/>
-              <a:buChar char=""/>
-            </a:pPr>
-            <a:r>
-              <a:rPr b="0" lang="en-US" sz="1100" spc="-1" strike="noStrike">
-                <a:solidFill>
-                  <a:srgbClr val="003b4f"/>
-                </a:solidFill>
-                <a:latin typeface="Century Gothic"/>
-              </a:rPr>
-              <a:t>Second Outline Level</a:t>
-            </a:r>
-            <a:endParaRPr b="0" lang="en-US" sz="1100" spc="-1" strike="noStrike">
-              <a:solidFill>
-                <a:srgbClr val="003b4f"/>
-              </a:solidFill>
-              <a:latin typeface="Century Gothic"/>
-            </a:endParaRPr>
-          </a:p>
-          <a:p>
-            <a:pPr lvl="2" marL="1296000" indent="-288000">
-              <a:lnSpc>
-                <a:spcPct val="90000"/>
-              </a:lnSpc>
-              <a:spcBef>
-                <a:spcPts val="850"/>
-              </a:spcBef>
-              <a:buClr>
-                <a:srgbClr val="000000"/>
-              </a:buClr>
-              <a:buSzPct val="45000"/>
-              <a:buFont typeface="Wingdings" charset="2"/>
-              <a:buChar char=""/>
-            </a:pPr>
-            <a:r>
-              <a:rPr b="0" lang="en-US" sz="1100" spc="-1" strike="noStrike">
-                <a:solidFill>
-                  <a:srgbClr val="003b4f"/>
-                </a:solidFill>
-                <a:latin typeface="Century Gothic"/>
-              </a:rPr>
-              <a:t>Third Outline Level</a:t>
-            </a:r>
-            <a:endParaRPr b="0" lang="en-US" sz="1100" spc="-1" strike="noStrike">
-              <a:solidFill>
-                <a:srgbClr val="003b4f"/>
-              </a:solidFill>
-              <a:latin typeface="Century Gothic"/>
-            </a:endParaRPr>
-          </a:p>
-          <a:p>
-            <a:pPr lvl="3" marL="1728000" indent="-216000">
-              <a:lnSpc>
-                <a:spcPct val="90000"/>
-              </a:lnSpc>
-              <a:spcBef>
-                <a:spcPts val="567"/>
-              </a:spcBef>
-              <a:buClr>
-                <a:srgbClr val="000000"/>
-              </a:buClr>
-              <a:buSzPct val="75000"/>
-              <a:buFont typeface="Symbol" charset="2"/>
-              <a:buChar char=""/>
-            </a:pPr>
-            <a:r>
-              <a:rPr b="0" lang="en-US" sz="1100" spc="-1" strike="noStrike">
-                <a:solidFill>
-                  <a:srgbClr val="003b4f"/>
-                </a:solidFill>
-                <a:latin typeface="Century Gothic"/>
-              </a:rPr>
-              <a:t>Fourth Outline Level</a:t>
-            </a:r>
-            <a:endParaRPr b="0" lang="en-US" sz="1100" spc="-1" strike="noStrike">
-              <a:solidFill>
-                <a:srgbClr val="003b4f"/>
-              </a:solidFill>
-              <a:latin typeface="Century Gothic"/>
-            </a:endParaRPr>
-          </a:p>
-          <a:p>
-            <a:pPr lvl="4" marL="2160000" indent="-216000">
-              <a:lnSpc>
-                <a:spcPct val="90000"/>
-              </a:lnSpc>
-              <a:spcBef>
-                <a:spcPts val="283"/>
-              </a:spcBef>
-              <a:buClr>
-                <a:srgbClr val="000000"/>
-              </a:buClr>
-              <a:buSzPct val="45000"/>
-              <a:buFont typeface="Wingdings" charset="2"/>
-              <a:buChar char=""/>
-            </a:pPr>
-            <a:r>
-              <a:rPr b="0" lang="en-US" sz="2000" spc="-1" strike="noStrike">
-                <a:solidFill>
-                  <a:srgbClr val="003b4f"/>
-                </a:solidFill>
-                <a:latin typeface="Century Gothic"/>
-              </a:rPr>
-              <a:t>Fifth Outline Level</a:t>
-            </a:r>
-            <a:endParaRPr b="0" lang="en-US" sz="2000" spc="-1" strike="noStrike">
-              <a:solidFill>
-                <a:srgbClr val="003b4f"/>
-              </a:solidFill>
-              <a:latin typeface="Century Gothic"/>
-            </a:endParaRPr>
-          </a:p>
-          <a:p>
-            <a:pPr lvl="5" marL="2592000" indent="-216000">
-              <a:lnSpc>
-                <a:spcPct val="90000"/>
-              </a:lnSpc>
-              <a:spcBef>
-                <a:spcPts val="283"/>
-              </a:spcBef>
-              <a:buClr>
-                <a:srgbClr val="000000"/>
-              </a:buClr>
-              <a:buSzPct val="45000"/>
-              <a:buFont typeface="Wingdings" charset="2"/>
-              <a:buChar char=""/>
-            </a:pPr>
-            <a:r>
-              <a:rPr b="0" lang="en-US" sz="2000" spc="-1" strike="noStrike">
-                <a:solidFill>
-                  <a:srgbClr val="003b4f"/>
-                </a:solidFill>
-                <a:latin typeface="Century Gothic"/>
-              </a:rPr>
-              <a:t>Sixth Outline Level</a:t>
-            </a:r>
-            <a:endParaRPr b="0" lang="en-US" sz="2000" spc="-1" strike="noStrike">
-              <a:solidFill>
-                <a:srgbClr val="003b4f"/>
-              </a:solidFill>
-              <a:latin typeface="Century Gothic"/>
-            </a:endParaRPr>
-          </a:p>
-          <a:p>
-            <a:pPr lvl="6" marL="3024000" indent="-216000">
-              <a:lnSpc>
-                <a:spcPct val="90000"/>
-              </a:lnSpc>
-              <a:spcBef>
-                <a:spcPts val="283"/>
-              </a:spcBef>
-              <a:buClr>
-                <a:srgbClr val="000000"/>
-              </a:buClr>
-              <a:buSzPct val="45000"/>
-              <a:buFont typeface="Wingdings" charset="2"/>
-              <a:buChar char=""/>
-            </a:pPr>
-            <a:r>
-              <a:rPr b="0" lang="en-US" sz="2000" spc="-1" strike="noStrike">
-                <a:solidFill>
-                  <a:srgbClr val="003b4f"/>
-                </a:solidFill>
-                <a:latin typeface="Century Gothic"/>
-              </a:rPr>
-              <a:t>Seventh Outline Level</a:t>
-            </a:r>
-            <a:endParaRPr b="0" lang="en-US" sz="2000" spc="-1" strike="noStrike">
-              <a:solidFill>
-                <a:srgbClr val="003b4f"/>
-              </a:solidFill>
-              <a:latin typeface="Century Gothic"/>
+          <a:lstStyle>
+            <a:lvl1pPr>
+              <a:defRPr b="0" lang="en-US" sz="1400" spc="-1" strike="noStrike">
+                <a:latin typeface="Times New Roman"/>
+              </a:defRPr>
+            </a:lvl1pPr>
+          </a:lstStyle>
+          <a:p>
+            <a:r>
+              <a:rPr b="0" lang="en-US" sz="1400" spc="-1" strike="noStrike">
+                <a:latin typeface="Times New Roman"/>
+              </a:rPr>
+              <a:t>&lt;date/time&gt;</a:t>
+            </a:r>
+            <a:endParaRPr b="0" lang="en-US" sz="1400" spc="-1" strike="noStrike">
+              <a:latin typeface="Times New Roman"/>
             </a:endParaRPr>
           </a:p>
         </p:txBody>
@@ -3500,14 +2937,14 @@
       </p:grpSpPr>
       <p:sp>
         <p:nvSpPr>
-          <p:cNvPr id="47" name="Rectangle 3"/>
+          <p:cNvPr id="45" name="Rectangle 3"/>
           <p:cNvSpPr/>
           <p:nvPr/>
         </p:nvSpPr>
         <p:spPr>
           <a:xfrm>
             <a:off x="15840" y="1248120"/>
-            <a:ext cx="4128120" cy="5609880"/>
+            <a:ext cx="4127760" cy="5609520"/>
           </a:xfrm>
           <a:prstGeom prst="rect">
             <a:avLst/>
@@ -3536,14 +2973,14 @@
       </p:sp>
       <p:sp>
         <p:nvSpPr>
-          <p:cNvPr id="48" name="TextBox 33"/>
+          <p:cNvPr id="46" name="TextBox 33"/>
           <p:cNvSpPr/>
           <p:nvPr/>
         </p:nvSpPr>
         <p:spPr>
           <a:xfrm>
             <a:off x="1008000" y="408960"/>
-            <a:ext cx="7055280" cy="455400"/>
+            <a:ext cx="7054920" cy="455400"/>
           </a:xfrm>
           <a:prstGeom prst="rect">
             <a:avLst/>
@@ -3583,6 +3020,7 @@
                   <a:srgbClr val="003b4f"/>
                 </a:solidFill>
                 <a:latin typeface="Century Gothic"/>
+                <a:ea typeface="DejaVu Sans"/>
               </a:rPr>
               <a:t>Title</a:t>
             </a:r>
@@ -3594,14 +3032,14 @@
       </p:sp>
       <p:sp>
         <p:nvSpPr>
-          <p:cNvPr id="49" name="TextBox 13"/>
+          <p:cNvPr id="47" name="TextBox 13"/>
           <p:cNvSpPr/>
           <p:nvPr/>
         </p:nvSpPr>
         <p:spPr>
           <a:xfrm>
             <a:off x="62280" y="1517040"/>
-            <a:ext cx="4016520" cy="5447160"/>
+            <a:ext cx="4016160" cy="5446440"/>
           </a:xfrm>
           <a:prstGeom prst="rect">
             <a:avLst/>
@@ -3635,6 +3073,7 @@
                 </a:solidFill>
                 <a:uFillTx/>
                 <a:latin typeface="Century Gothic"/>
+                <a:ea typeface="DejaVu Sans"/>
               </a:rPr>
               <a:t>Problem</a:t>
             </a:r>
@@ -3644,6 +3083,7 @@
                   <a:srgbClr val="ffffff"/>
                 </a:solidFill>
                 <a:latin typeface="Century Gothic"/>
+                <a:ea typeface="DejaVu Sans"/>
               </a:rPr>
               <a:t>: Wildfires are fast, destructive, and erratic, rendering them a threat to both civilians and infrastructure. The trajectory of a wildfire depends on several factors, including tree species, tree heights, and tree trunk diameters. Accurately predicting wildfires requires a database of all of these tree attributes for forests across the globe. Many organizations are working towards developing such an inventory with various strategies and resources.</a:t>
             </a:r>
@@ -3664,6 +3104,7 @@
                   <a:srgbClr val="ffffff"/>
                 </a:solidFill>
                 <a:latin typeface="Century Gothic"/>
+                <a:ea typeface="DejaVu Sans"/>
               </a:rPr>
               <a:t>   </a:t>
             </a:r>
@@ -3673,6 +3114,7 @@
                   <a:srgbClr val="ffffff"/>
                 </a:solidFill>
                 <a:latin typeface="Century Gothic"/>
+                <a:ea typeface="DejaVu Sans"/>
               </a:rPr>
               <a:t>After interviewing several experts in the field, I learned that the hardest tree information to gather is tree diameter values. However, collecting tree diameter values of a a number of trees across the varying tree heights and densities allows for the rest of the tree diameter values to be predicted due to a linear relation between tree height and diameter. </a:t>
             </a:r>
@@ -3705,6 +3147,7 @@
                 </a:solidFill>
                 <a:uFillTx/>
                 <a:latin typeface="Century Gothic"/>
+                <a:ea typeface="DejaVu Sans"/>
               </a:rPr>
               <a:t>Goal</a:t>
             </a:r>
@@ -3714,6 +3157,7 @@
                   <a:srgbClr val="ffffff"/>
                 </a:solidFill>
                 <a:latin typeface="Century Gothic"/>
+                <a:ea typeface="DejaVu Sans"/>
               </a:rPr>
               <a:t>: Develop a distributed UAV swarming algorithm to collect a number of diameter values of trees with various densities and heights.</a:t>
             </a:r>
@@ -3746,6 +3190,7 @@
                 </a:solidFill>
                 <a:uFillTx/>
                 <a:latin typeface="Century Gothic"/>
+                <a:ea typeface="DejaVu Sans"/>
               </a:rPr>
               <a:t>Solution</a:t>
             </a:r>
@@ -3755,6 +3200,7 @@
                   <a:srgbClr val="ffffff"/>
                 </a:solidFill>
                 <a:latin typeface="Century Gothic"/>
+                <a:ea typeface="DejaVu Sans"/>
               </a:rPr>
               <a:t>: The information value of a given tree is evaluated based on the density and heights of trees that have already been collected using a 2D array threshold data structure. Each UAV will make decisions by overlaying a proximity and information value potential field as well as local communication between UAVS.</a:t>
             </a:r>
@@ -3787,6 +3233,7 @@
                 </a:solidFill>
                 <a:uFillTx/>
                 <a:latin typeface="Century Gothic"/>
+                <a:ea typeface="DejaVu Sans"/>
               </a:rPr>
               <a:t>My Role:</a:t>
             </a:r>
@@ -3796,6 +3243,7 @@
                   <a:srgbClr val="ffffff"/>
                 </a:solidFill>
                 <a:latin typeface="Century Gothic"/>
+                <a:ea typeface="DejaVu Sans"/>
               </a:rPr>
               <a:t> Researching of wildfire applications and swarming algorithm and simulation development.</a:t>
             </a:r>
@@ -3818,14 +3266,14 @@
       </p:sp>
       <p:sp>
         <p:nvSpPr>
-          <p:cNvPr id="50" name="Oval 2"/>
+          <p:cNvPr id="48" name="Oval 2"/>
           <p:cNvSpPr/>
           <p:nvPr/>
         </p:nvSpPr>
         <p:spPr>
           <a:xfrm>
             <a:off x="121680" y="228600"/>
-            <a:ext cx="792720" cy="792720"/>
+            <a:ext cx="792360" cy="792360"/>
           </a:xfrm>
           <a:prstGeom prst="ellipse">
             <a:avLst/>
@@ -3868,90 +3316,47 @@
                   <a:srgbClr val="ffffff"/>
                 </a:solidFill>
                 <a:latin typeface="Century Gothic"/>
-              </a:rPr>
-              <a:t>L</a:t>
-            </a:r>
+                <a:ea typeface="DejaVu Sans"/>
+              </a:rPr>
+              <a:t>Lab</a:t>
+            </a:r>
+            <a:endParaRPr b="0" lang="en-US" sz="1100" spc="-1" strike="noStrike">
+              <a:latin typeface="Arial"/>
+            </a:endParaRPr>
+          </a:p>
+          <a:p>
+            <a:pPr algn="ctr">
+              <a:lnSpc>
+                <a:spcPct val="100000"/>
+              </a:lnSpc>
+              <a:buNone/>
+            </a:pPr>
             <a:r>
               <a:rPr b="0" lang="en-US" sz="1100" spc="-1" strike="noStrike">
                 <a:solidFill>
                   <a:srgbClr val="ffffff"/>
                 </a:solidFill>
                 <a:latin typeface="Century Gothic"/>
-              </a:rPr>
-              <a:t>a</a:t>
-            </a:r>
-            <a:r>
-              <a:rPr b="0" lang="en-US" sz="1100" spc="-1" strike="noStrike">
-                <a:solidFill>
-                  <a:srgbClr val="ffffff"/>
-                </a:solidFill>
-                <a:latin typeface="Century Gothic"/>
-              </a:rPr>
-              <a:t>b</a:t>
+                <a:ea typeface="DejaVu Sans"/>
+              </a:rPr>
+              <a:t>Logo</a:t>
             </a:r>
             <a:endParaRPr b="0" lang="en-US" sz="1100" spc="-1" strike="noStrike">
               <a:latin typeface="Arial"/>
             </a:endParaRPr>
           </a:p>
-          <a:p>
-            <a:pPr algn="ctr">
-              <a:lnSpc>
-                <a:spcPct val="100000"/>
-              </a:lnSpc>
-              <a:buNone/>
-            </a:pPr>
-            <a:r>
-              <a:rPr b="0" lang="en-US" sz="1100" spc="-1" strike="noStrike">
-                <a:solidFill>
-                  <a:srgbClr val="ffffff"/>
-                </a:solidFill>
-                <a:latin typeface="Century Gothic"/>
-              </a:rPr>
-              <a:t>L</a:t>
-            </a:r>
-            <a:r>
-              <a:rPr b="0" lang="en-US" sz="1100" spc="-1" strike="noStrike">
-                <a:solidFill>
-                  <a:srgbClr val="ffffff"/>
-                </a:solidFill>
-                <a:latin typeface="Century Gothic"/>
-              </a:rPr>
-              <a:t>o</a:t>
-            </a:r>
-            <a:r>
-              <a:rPr b="0" lang="en-US" sz="1100" spc="-1" strike="noStrike">
-                <a:solidFill>
-                  <a:srgbClr val="ffffff"/>
-                </a:solidFill>
-                <a:latin typeface="Century Gothic"/>
-              </a:rPr>
-              <a:t>g</a:t>
-            </a:r>
-            <a:r>
-              <a:rPr b="0" lang="en-US" sz="1100" spc="-1" strike="noStrike">
-                <a:solidFill>
-                  <a:srgbClr val="ffffff"/>
-                </a:solidFill>
-                <a:latin typeface="Century Gothic"/>
-              </a:rPr>
-              <a:t>o</a:t>
-            </a:r>
-            <a:endParaRPr b="0" lang="en-US" sz="1100" spc="-1" strike="noStrike">
-              <a:latin typeface="Arial"/>
-            </a:endParaRPr>
-          </a:p>
-        </p:txBody>
-      </p:sp>
-      <p:sp>
-        <p:nvSpPr>
-          <p:cNvPr id="51" name="TextBox 12"/>
+        </p:txBody>
+      </p:sp>
+      <p:sp>
+        <p:nvSpPr>
+          <p:cNvPr id="49" name="TextBox 12"/>
           <p:cNvSpPr/>
           <p:nvPr/>
         </p:nvSpPr>
         <p:spPr>
           <a:xfrm>
             <a:off x="4276440" y="4228920"/>
-            <a:ext cx="3786840" cy="1094040"/>
+            <a:ext cx="3786480" cy="2679120"/>
           </a:xfrm>
           <a:prstGeom prst="rect">
             <a:avLst/>
@@ -3979,15 +3384,16 @@
               <a:buNone/>
             </a:pPr>
             <a:r>
-              <a:rPr b="1" lang="en-US" sz="1100" spc="-1" strike="noStrike">
+              <a:rPr b="1" lang="en-US" sz="1000" spc="-1" strike="noStrike">
                 <a:solidFill>
                   <a:srgbClr val="003b4f"/>
                 </a:solidFill>
                 <a:latin typeface="Century Gothic"/>
-              </a:rPr>
-              <a:t>1. Answer: What are you most proud of this summer [with respect to your experience/project]? </a:t>
-            </a:r>
-            <a:endParaRPr b="0" lang="en-US" sz="1100" spc="-1" strike="noStrike">
+                <a:ea typeface="DejaVu Sans"/>
+              </a:rPr>
+              <a:t>1. I was most proud of being able to make meaningful contributions to a real-world problem. In the past, I often struggled with finding ways to help the research community that have not already been thoroughly reviewed.</a:t>
+            </a:r>
+            <a:endParaRPr b="0" lang="en-US" sz="1000" spc="-1" strike="noStrike">
               <a:latin typeface="Arial"/>
             </a:endParaRPr>
           </a:p>
@@ -3998,16 +3404,28 @@
               </a:lnSpc>
               <a:buNone/>
             </a:pPr>
-            <a:r>
-              <a:rPr b="1" lang="en-US" sz="1100" spc="-1" strike="noStrike">
+            <a:endParaRPr b="0" lang="en-US" sz="1000" spc="-1" strike="noStrike">
+              <a:latin typeface="Arial"/>
+            </a:endParaRPr>
+          </a:p>
+          <a:p>
+            <a:pPr>
+              <a:lnSpc>
+                <a:spcPct val="100000"/>
+              </a:lnSpc>
+              <a:buNone/>
+            </a:pPr>
+            <a:r>
+              <a:rPr b="1" lang="en-US" sz="1000" spc="-1" strike="noStrike">
                 <a:solidFill>
                   <a:srgbClr val="003b4f"/>
                 </a:solidFill>
                 <a:latin typeface="Century Gothic"/>
-              </a:rPr>
-              <a:t>2. Answer: Why was the internship valuable? </a:t>
-            </a:r>
-            <a:endParaRPr b="0" lang="en-US" sz="1100" spc="-1" strike="noStrike">
+                <a:ea typeface="DejaVu Sans"/>
+              </a:rPr>
+              <a:t>2. I developed valuable research skills throughout this internship that will help me throughout my career. I learned how, starting from scratch, to identify a problem and build an effective solution.</a:t>
+            </a:r>
+            <a:endParaRPr b="0" lang="en-US" sz="1000" spc="-1" strike="noStrike">
               <a:latin typeface="Arial"/>
             </a:endParaRPr>
           </a:p>
@@ -4018,16 +3436,28 @@
               </a:lnSpc>
               <a:buNone/>
             </a:pPr>
-            <a:r>
-              <a:rPr b="1" lang="en-US" sz="1100" spc="-1" strike="noStrike">
+            <a:endParaRPr b="0" lang="en-US" sz="1000" spc="-1" strike="noStrike">
+              <a:latin typeface="Arial"/>
+            </a:endParaRPr>
+          </a:p>
+          <a:p>
+            <a:pPr>
+              <a:lnSpc>
+                <a:spcPct val="100000"/>
+              </a:lnSpc>
+              <a:buNone/>
+            </a:pPr>
+            <a:r>
+              <a:rPr b="1" lang="en-US" sz="1000" spc="-1" strike="noStrike">
                 <a:solidFill>
                   <a:srgbClr val="003b4f"/>
                 </a:solidFill>
                 <a:latin typeface="Century Gothic"/>
-              </a:rPr>
-              <a:t>3. Answer: Advice for future cohorts? </a:t>
-            </a:r>
-            <a:endParaRPr b="0" lang="en-US" sz="1100" spc="-1" strike="noStrike">
+                <a:ea typeface="DejaVu Sans"/>
+              </a:rPr>
+              <a:t>3. Advice for future cohorts: Never give up on your research. There will be numerous roadblocks and seemingly unsolvable problems, so just move on and iterate to a better solution, even if it requires redoing a lot of work.</a:t>
+            </a:r>
+            <a:endParaRPr b="0" lang="en-US" sz="1000" spc="-1" strike="noStrike">
               <a:latin typeface="Arial"/>
             </a:endParaRPr>
           </a:p>
@@ -4038,22 +3468,22 @@
               </a:lnSpc>
               <a:buNone/>
             </a:pPr>
-            <a:endParaRPr b="0" lang="en-US" sz="1100" spc="-1" strike="noStrike">
-              <a:latin typeface="Arial"/>
-            </a:endParaRPr>
-          </a:p>
-        </p:txBody>
-      </p:sp>
-      <p:sp>
-        <p:nvSpPr>
-          <p:cNvPr id="52" name="TextBox 26"/>
+            <a:endParaRPr b="0" lang="en-US" sz="1000" spc="-1" strike="noStrike">
+              <a:latin typeface="Arial"/>
+            </a:endParaRPr>
+          </a:p>
+        </p:txBody>
+      </p:sp>
+      <p:sp>
+        <p:nvSpPr>
+          <p:cNvPr id="50" name="TextBox 26"/>
           <p:cNvSpPr/>
           <p:nvPr/>
         </p:nvSpPr>
         <p:spPr>
           <a:xfrm>
             <a:off x="8256240" y="1488240"/>
-            <a:ext cx="3786840" cy="2433240"/>
+            <a:ext cx="3786480" cy="2433240"/>
           </a:xfrm>
           <a:prstGeom prst="rect">
             <a:avLst/>
@@ -4086,6 +3516,7 @@
                   <a:srgbClr val="003b4f"/>
                 </a:solidFill>
                 <a:latin typeface="Century Gothic"/>
+                <a:ea typeface="DejaVu Sans"/>
               </a:rPr>
               <a:t>Results / Accomplishments / Next Steps:</a:t>
             </a:r>
@@ -4106,6 +3537,7 @@
                   <a:srgbClr val="003b4f"/>
                 </a:solidFill>
                 <a:latin typeface="Century Gothic"/>
+                <a:ea typeface="DejaVu Sans"/>
               </a:rPr>
               <a:t>  </a:t>
             </a:r>
@@ -4115,6 +3547,7 @@
                   <a:srgbClr val="003b4f"/>
                 </a:solidFill>
                 <a:latin typeface="Century Gothic"/>
+                <a:ea typeface="DejaVu Sans"/>
               </a:rPr>
               <a:t>We demonstrated that UAV swarms can be applied to forest inventorying to significantly increase performance. We also demonstrated the effectiveness of potential field based information foraging.</a:t>
             </a:r>
@@ -4135,6 +3568,7 @@
                   <a:srgbClr val="003b4f"/>
                 </a:solidFill>
                 <a:latin typeface="Century Gothic"/>
+                <a:ea typeface="DejaVu Sans"/>
               </a:rPr>
               <a:t>  </a:t>
             </a:r>
@@ -4144,6 +3578,7 @@
                   <a:srgbClr val="003b4f"/>
                 </a:solidFill>
                 <a:latin typeface="Century Gothic"/>
+                <a:ea typeface="DejaVu Sans"/>
               </a:rPr>
               <a:t>The Navy can use this software for any type of goal-based information foraging.</a:t>
             </a:r>
@@ -4164,6 +3599,7 @@
                   <a:srgbClr val="003b4f"/>
                 </a:solidFill>
                 <a:latin typeface="Century Gothic"/>
+                <a:ea typeface="DejaVu Sans"/>
               </a:rPr>
               <a:t>  </a:t>
             </a:r>
@@ -4173,6 +3609,7 @@
                   <a:srgbClr val="003b4f"/>
                 </a:solidFill>
                 <a:latin typeface="Century Gothic"/>
+                <a:ea typeface="DejaVu Sans"/>
               </a:rPr>
               <a:t>In the future this work will develop into a real-world project and the deployment of UAVs throughout forests across the globe.</a:t>
             </a:r>
@@ -4193,6 +3630,7 @@
                   <a:srgbClr val="003b4f"/>
                 </a:solidFill>
                 <a:latin typeface="Century Gothic"/>
+                <a:ea typeface="DejaVu Sans"/>
               </a:rPr>
               <a:t>  </a:t>
             </a:r>
@@ -4202,6 +3640,7 @@
                   <a:srgbClr val="003b4f"/>
                 </a:solidFill>
                 <a:latin typeface="Century Gothic"/>
+                <a:ea typeface="DejaVu Sans"/>
               </a:rPr>
               <a:t>In the future, we will develop a complete inventory of all forests in the world and be able to predict and mitigate wildfires to save lives.</a:t>
             </a:r>
@@ -4213,14 +3652,14 @@
       </p:sp>
       <p:sp>
         <p:nvSpPr>
-          <p:cNvPr id="53" name="Rectangle 4"/>
+          <p:cNvPr id="51" name="Rectangle 4"/>
           <p:cNvSpPr/>
           <p:nvPr/>
         </p:nvSpPr>
         <p:spPr>
           <a:xfrm>
             <a:off x="4143960" y="1257480"/>
-            <a:ext cx="4003920" cy="2797560"/>
+            <a:ext cx="4003560" cy="2797200"/>
           </a:xfrm>
           <a:prstGeom prst="rect">
             <a:avLst/>
@@ -4251,19 +3690,19 @@
       </p:sp>
       <p:pic>
         <p:nvPicPr>
-          <p:cNvPr id="54" name="" descr=""/>
+          <p:cNvPr id="52" name="" descr=""/>
           <p:cNvPicPr/>
           <p:nvPr/>
         </p:nvPicPr>
         <p:blipFill>
           <a:blip r:embed="rId1"/>
-          <a:srcRect l="0" t="0" r="24696" b="0"/>
+          <a:srcRect l="0" t="0" r="24690" b="0"/>
           <a:stretch/>
         </p:blipFill>
         <p:spPr>
           <a:xfrm rot="16212000">
-            <a:off x="8932680" y="3589560"/>
-            <a:ext cx="2499480" cy="4009320"/>
+            <a:off x="8932680" y="3589920"/>
+            <a:ext cx="2499120" cy="4008960"/>
           </a:xfrm>
           <a:prstGeom prst="rect">
             <a:avLst/>
@@ -4275,14 +3714,14 @@
       </p:pic>
       <p:sp>
         <p:nvSpPr>
-          <p:cNvPr id="55" name="Rectangle 27"/>
+          <p:cNvPr id="53" name="Rectangle 27"/>
           <p:cNvSpPr/>
           <p:nvPr/>
         </p:nvSpPr>
         <p:spPr>
           <a:xfrm>
             <a:off x="8147880" y="4055040"/>
-            <a:ext cx="4043520" cy="2797560"/>
+            <a:ext cx="4043160" cy="2797200"/>
           </a:xfrm>
           <a:prstGeom prst="rect">
             <a:avLst/>
@@ -4313,14 +3752,14 @@
       </p:sp>
       <p:sp>
         <p:nvSpPr>
-          <p:cNvPr id="56" name="TextBox 5"/>
+          <p:cNvPr id="54" name="TextBox 5"/>
           <p:cNvSpPr/>
           <p:nvPr/>
         </p:nvSpPr>
         <p:spPr>
           <a:xfrm>
             <a:off x="5171760" y="2323080"/>
-            <a:ext cx="1848240" cy="363960"/>
+            <a:ext cx="1847880" cy="363960"/>
           </a:xfrm>
           <a:prstGeom prst="rect">
             <a:avLst/>
@@ -4353,6 +3792,7 @@
                   <a:srgbClr val="000000"/>
                 </a:solidFill>
                 <a:latin typeface="Century Gothic"/>
+                <a:ea typeface="DejaVu Sans"/>
               </a:rPr>
               <a:t>Image Area</a:t>
             </a:r>
@@ -4364,14 +3804,14 @@
       </p:sp>
       <p:sp>
         <p:nvSpPr>
-          <p:cNvPr id="57" name="TextBox 14"/>
+          <p:cNvPr id="55" name="TextBox 14"/>
           <p:cNvSpPr/>
           <p:nvPr/>
         </p:nvSpPr>
         <p:spPr>
           <a:xfrm>
             <a:off x="1008000" y="900360"/>
-            <a:ext cx="3479400" cy="241920"/>
+            <a:ext cx="3479040" cy="241920"/>
           </a:xfrm>
           <a:prstGeom prst="rect">
             <a:avLst/>
@@ -4404,6 +3844,7 @@
                   <a:srgbClr val="003b4f"/>
                 </a:solidFill>
                 <a:latin typeface="Century Gothic"/>
+                <a:ea typeface="DejaVu Sans"/>
               </a:rPr>
               <a:t>Dhruva Arun </a:t>
             </a:r>
@@ -4413,6 +3854,7 @@
                   <a:srgbClr val="a26a02"/>
                 </a:solidFill>
                 <a:latin typeface="Century Gothic"/>
+                <a:ea typeface="DejaVu Sans"/>
               </a:rPr>
               <a:t>|</a:t>
             </a:r>
@@ -4422,6 +3864,7 @@
                   <a:srgbClr val="003b4f"/>
                 </a:solidFill>
                 <a:latin typeface="Century Gothic"/>
+                <a:ea typeface="DejaVu Sans"/>
               </a:rPr>
               <a:t>  Loy McGuire</a:t>
             </a:r>
@@ -4433,7 +3876,7 @@
       </p:sp>
       <p:pic>
         <p:nvPicPr>
-          <p:cNvPr id="58" name="" descr=""/>
+          <p:cNvPr id="56" name="" descr=""/>
           <p:cNvPicPr/>
           <p:nvPr/>
         </p:nvPicPr>
@@ -4444,7 +3887,7 @@
         <p:spPr>
           <a:xfrm>
             <a:off x="4275360" y="1309680"/>
-            <a:ext cx="2696040" cy="2706480"/>
+            <a:ext cx="2695680" cy="2706120"/>
           </a:xfrm>
           <a:prstGeom prst="rect">
             <a:avLst/>
@@ -4456,7 +3899,7 @@
       </p:pic>
       <p:pic>
         <p:nvPicPr>
-          <p:cNvPr id="59" name="" descr=""/>
+          <p:cNvPr id="57" name="" descr=""/>
           <p:cNvPicPr/>
           <p:nvPr/>
         </p:nvPicPr>
@@ -4467,7 +3910,7 @@
         <p:spPr>
           <a:xfrm>
             <a:off x="7080480" y="1371600"/>
-            <a:ext cx="920520" cy="2609640"/>
+            <a:ext cx="920160" cy="2609280"/>
           </a:xfrm>
           <a:prstGeom prst="rect">
             <a:avLst/>
@@ -4479,171 +3922,93 @@
       </p:pic>
       <p:sp>
         <p:nvSpPr>
-          <p:cNvPr id="60" name=""/>
-          <p:cNvSpPr txBox="1"/>
+          <p:cNvPr id="58" name=""/>
+          <p:cNvSpPr/>
           <p:nvPr/>
         </p:nvSpPr>
         <p:spPr>
           <a:xfrm>
             <a:off x="4800600" y="914400"/>
-            <a:ext cx="2971800" cy="346320"/>
-          </a:xfrm>
-          <a:prstGeom prst="rect">
-            <a:avLst/>
-          </a:prstGeom>
-          <a:noFill/>
-          <a:ln w="0">
-            <a:noFill/>
-          </a:ln>
-        </p:spPr>
+            <a:ext cx="2971440" cy="345960"/>
+          </a:xfrm>
+          <a:prstGeom prst="rect">
+            <a:avLst/>
+          </a:prstGeom>
+          <a:noFill/>
+          <a:ln w="0">
+            <a:noFill/>
+          </a:ln>
+        </p:spPr>
+        <p:style>
+          <a:lnRef idx="0"/>
+          <a:fillRef idx="0"/>
+          <a:effectRef idx="0"/>
+          <a:fontRef idx="minor"/>
+        </p:style>
         <p:txBody>
           <a:bodyPr lIns="90000" rIns="90000" tIns="45000" bIns="45000" anchor="t">
             <a:noAutofit/>
           </a:bodyPr>
           <a:p>
+            <a:pPr>
+              <a:lnSpc>
+                <a:spcPct val="100000"/>
+              </a:lnSpc>
+              <a:buNone/>
+            </a:pPr>
             <a:r>
               <a:rPr b="0" lang="en-US" sz="1800" spc="-1" strike="noStrike">
                 <a:latin typeface="Arial"/>
               </a:rPr>
-              <a:t>S</a:t>
-            </a:r>
+              <a:t>Simulation and Threshold</a:t>
+            </a:r>
+            <a:endParaRPr b="0" lang="en-US" sz="1800" spc="-1" strike="noStrike">
+              <a:latin typeface="Arial"/>
+            </a:endParaRPr>
+          </a:p>
+        </p:txBody>
+      </p:sp>
+      <p:sp>
+        <p:nvSpPr>
+          <p:cNvPr id="59" name=""/>
+          <p:cNvSpPr/>
+          <p:nvPr/>
+        </p:nvSpPr>
+        <p:spPr>
+          <a:xfrm>
+            <a:off x="8686800" y="3991320"/>
+            <a:ext cx="2971440" cy="345960"/>
+          </a:xfrm>
+          <a:prstGeom prst="rect">
+            <a:avLst/>
+          </a:prstGeom>
+          <a:noFill/>
+          <a:ln w="0">
+            <a:noFill/>
+          </a:ln>
+        </p:spPr>
+        <p:style>
+          <a:lnRef idx="0"/>
+          <a:fillRef idx="0"/>
+          <a:effectRef idx="0"/>
+          <a:fontRef idx="minor"/>
+        </p:style>
+        <p:txBody>
+          <a:bodyPr lIns="90000" rIns="90000" tIns="45000" bIns="45000" anchor="t">
+            <a:noAutofit/>
+          </a:bodyPr>
+          <a:p>
+            <a:pPr>
+              <a:lnSpc>
+                <a:spcPct val="100000"/>
+              </a:lnSpc>
+              <a:buNone/>
+            </a:pPr>
             <a:r>
               <a:rPr b="0" lang="en-US" sz="1800" spc="-1" strike="noStrike">
                 <a:latin typeface="Arial"/>
               </a:rPr>
-              <a:t>i</a:t>
-            </a:r>
-            <a:r>
-              <a:rPr b="0" lang="en-US" sz="1800" spc="-1" strike="noStrike">
-                <a:latin typeface="Arial"/>
-              </a:rPr>
-              <a:t>m</a:t>
-            </a:r>
-            <a:r>
-              <a:rPr b="0" lang="en-US" sz="1800" spc="-1" strike="noStrike">
-                <a:latin typeface="Arial"/>
-              </a:rPr>
-              <a:t>u</a:t>
-            </a:r>
-            <a:r>
-              <a:rPr b="0" lang="en-US" sz="1800" spc="-1" strike="noStrike">
-                <a:latin typeface="Arial"/>
-              </a:rPr>
-              <a:t>l</a:t>
-            </a:r>
-            <a:r>
-              <a:rPr b="0" lang="en-US" sz="1800" spc="-1" strike="noStrike">
-                <a:latin typeface="Arial"/>
-              </a:rPr>
-              <a:t>a</a:t>
-            </a:r>
-            <a:r>
-              <a:rPr b="0" lang="en-US" sz="1800" spc="-1" strike="noStrike">
-                <a:latin typeface="Arial"/>
-              </a:rPr>
-              <a:t>t</a:t>
-            </a:r>
-            <a:r>
-              <a:rPr b="0" lang="en-US" sz="1800" spc="-1" strike="noStrike">
-                <a:latin typeface="Arial"/>
-              </a:rPr>
-              <a:t>i</a:t>
-            </a:r>
-            <a:r>
-              <a:rPr b="0" lang="en-US" sz="1800" spc="-1" strike="noStrike">
-                <a:latin typeface="Arial"/>
-              </a:rPr>
-              <a:t>o</a:t>
-            </a:r>
-            <a:r>
-              <a:rPr b="0" lang="en-US" sz="1800" spc="-1" strike="noStrike">
-                <a:latin typeface="Arial"/>
-              </a:rPr>
-              <a:t>n</a:t>
-            </a:r>
-            <a:r>
-              <a:rPr b="0" lang="en-US" sz="1800" spc="-1" strike="noStrike">
-                <a:latin typeface="Arial"/>
-              </a:rPr>
-              <a:t> </a:t>
-            </a:r>
-            <a:r>
-              <a:rPr b="0" lang="en-US" sz="1800" spc="-1" strike="noStrike">
-                <a:latin typeface="Arial"/>
-              </a:rPr>
-              <a:t>a</a:t>
-            </a:r>
-            <a:r>
-              <a:rPr b="0" lang="en-US" sz="1800" spc="-1" strike="noStrike">
-                <a:latin typeface="Arial"/>
-              </a:rPr>
-              <a:t>n</a:t>
-            </a:r>
-            <a:r>
-              <a:rPr b="0" lang="en-US" sz="1800" spc="-1" strike="noStrike">
-                <a:latin typeface="Arial"/>
-              </a:rPr>
-              <a:t>d</a:t>
-            </a:r>
-            <a:r>
-              <a:rPr b="0" lang="en-US" sz="1800" spc="-1" strike="noStrike">
-                <a:latin typeface="Arial"/>
-              </a:rPr>
-              <a:t> </a:t>
-            </a:r>
-            <a:r>
-              <a:rPr b="0" lang="en-US" sz="1800" spc="-1" strike="noStrike">
-                <a:latin typeface="Arial"/>
-              </a:rPr>
-              <a:t>T</a:t>
-            </a:r>
-            <a:r>
-              <a:rPr b="0" lang="en-US" sz="1800" spc="-1" strike="noStrike">
-                <a:latin typeface="Arial"/>
-              </a:rPr>
-              <a:t>h</a:t>
-            </a:r>
-            <a:r>
-              <a:rPr b="0" lang="en-US" sz="1800" spc="-1" strike="noStrike">
-                <a:latin typeface="Arial"/>
-              </a:rPr>
-              <a:t>r</a:t>
-            </a:r>
-            <a:r>
-              <a:rPr b="0" lang="en-US" sz="1800" spc="-1" strike="noStrike">
-                <a:latin typeface="Arial"/>
-              </a:rPr>
-              <a:t>e</a:t>
-            </a:r>
-            <a:r>
-              <a:rPr b="0" lang="en-US" sz="1800" spc="-1" strike="noStrike">
-                <a:latin typeface="Arial"/>
-              </a:rPr>
-              <a:t>s</a:t>
-            </a:r>
-            <a:r>
-              <a:rPr b="0" lang="en-US" sz="1800" spc="-1" strike="noStrike">
-                <a:latin typeface="Arial"/>
-              </a:rPr>
-              <a:t>h</a:t>
-            </a:r>
-            <a:r>
-              <a:rPr b="0" lang="en-US" sz="1800" spc="-1" strike="noStrike">
-                <a:latin typeface="Arial"/>
-              </a:rPr>
-              <a:t>o</a:t>
-            </a:r>
-            <a:r>
-              <a:rPr b="0" lang="en-US" sz="1800" spc="-1" strike="noStrike">
-                <a:latin typeface="Arial"/>
-              </a:rPr>
-              <a:t>l</a:t>
-            </a:r>
-            <a:r>
-              <a:rPr b="0" lang="en-US" sz="1800" spc="-1" strike="noStrike">
-                <a:latin typeface="Arial"/>
-              </a:rPr>
-              <a:t>d</a:t>
+              <a:t>Overlaid Potential Fields</a:t>
             </a:r>
             <a:endParaRPr b="0" lang="en-US" sz="1800" spc="-1" strike="noStrike">
               <a:latin typeface="Arial"/>
@@ -4653,64 +4018,40 @@
       </p:sp>
       <p:sp>
         <p:nvSpPr>
-          <p:cNvPr id="61" name=""/>
-          <p:cNvSpPr txBox="1"/>
+          <p:cNvPr id="60" name=""/>
+          <p:cNvSpPr/>
           <p:nvPr/>
         </p:nvSpPr>
         <p:spPr>
           <a:xfrm>
-            <a:off x="8686800" y="3991320"/>
-            <a:ext cx="2971800" cy="346320"/>
-          </a:xfrm>
-          <a:prstGeom prst="rect">
-            <a:avLst/>
-          </a:prstGeom>
-          <a:noFill/>
-          <a:ln w="0">
-            <a:noFill/>
-          </a:ln>
-        </p:spPr>
+            <a:off x="0" y="1248120"/>
+            <a:ext cx="3557520" cy="253440"/>
+          </a:xfrm>
+          <a:prstGeom prst="rect">
+            <a:avLst/>
+          </a:prstGeom>
+          <a:noFill/>
+          <a:ln w="0">
+            <a:noFill/>
+          </a:ln>
+        </p:spPr>
+        <p:style>
+          <a:lnRef idx="0"/>
+          <a:fillRef idx="0"/>
+          <a:effectRef idx="0"/>
+          <a:fontRef idx="minor"/>
+        </p:style>
         <p:txBody>
           <a:bodyPr lIns="90000" rIns="90000" tIns="45000" bIns="45000" anchor="t">
             <a:noAutofit/>
           </a:bodyPr>
           <a:p>
-            <a:r>
-              <a:rPr b="0" lang="en-US" sz="1800" spc="-1" strike="noStrike">
-                <a:latin typeface="Arial"/>
-              </a:rPr>
-              <a:t>Overlaid Potential Fields</a:t>
-            </a:r>
-            <a:endParaRPr b="0" lang="en-US" sz="1800" spc="-1" strike="noStrike">
-              <a:latin typeface="Arial"/>
-            </a:endParaRPr>
-          </a:p>
-        </p:txBody>
-      </p:sp>
-      <p:sp>
-        <p:nvSpPr>
-          <p:cNvPr id="62" name=""/>
-          <p:cNvSpPr txBox="1"/>
-          <p:nvPr/>
-        </p:nvSpPr>
-        <p:spPr>
-          <a:xfrm>
-            <a:off x="0" y="1248120"/>
-            <a:ext cx="3557880" cy="253800"/>
-          </a:xfrm>
-          <a:prstGeom prst="rect">
-            <a:avLst/>
-          </a:prstGeom>
-          <a:noFill/>
-          <a:ln w="0">
-            <a:noFill/>
-          </a:ln>
-        </p:spPr>
-        <p:txBody>
-          <a:bodyPr lIns="90000" rIns="90000" tIns="45000" bIns="45000" anchor="t">
-            <a:noAutofit/>
-          </a:bodyPr>
-          <a:p>
+            <a:pPr>
+              <a:lnSpc>
+                <a:spcPct val="100000"/>
+              </a:lnSpc>
+              <a:buNone/>
+            </a:pPr>
             <a:r>
               <a:rPr b="1" lang="en-US" sz="1100" spc="-1" strike="noStrike">
                 <a:solidFill>
@@ -4728,7 +4069,7 @@
       </p:sp>
       <p:pic>
         <p:nvPicPr>
-          <p:cNvPr id="63" name="" descr=""/>
+          <p:cNvPr id="61" name="" descr=""/>
           <p:cNvPicPr/>
           <p:nvPr/>
         </p:nvPicPr>
@@ -4739,7 +4080,7 @@
         <p:spPr>
           <a:xfrm>
             <a:off x="8686800" y="4332240"/>
-            <a:ext cx="2790720" cy="2520360"/>
+            <a:ext cx="2790360" cy="2520000"/>
           </a:xfrm>
           <a:prstGeom prst="rect">
             <a:avLst/>
